--- a/EJBadass.pptx
+++ b/EJBadass.pptx
@@ -2,18 +2,29 @@
 <file path=ppt/presentation.xml><?xml version="1.0" encoding="utf-8"?>
 <p:presentation xmlns:a="http://schemas.openxmlformats.org/drawingml/2006/main" xmlns:r="http://schemas.openxmlformats.org/officeDocument/2006/relationships" xmlns:p="http://schemas.openxmlformats.org/presentationml/2006/main" saveSubsetFonts="1">
   <p:sldMasterIdLst>
-    <p:sldMasterId id="2147483648" r:id="rId1"/>
+    <p:sldMasterId id="2147484048" r:id="rId1"/>
   </p:sldMasterIdLst>
+  <p:handoutMasterIdLst>
+    <p:handoutMasterId r:id="rId11"/>
+  </p:handoutMasterIdLst>
   <p:sldIdLst>
     <p:sldId id="256" r:id="rId2"/>
+    <p:sldId id="262" r:id="rId3"/>
+    <p:sldId id="264" r:id="rId4"/>
+    <p:sldId id="257" r:id="rId5"/>
+    <p:sldId id="258" r:id="rId6"/>
+    <p:sldId id="261" r:id="rId7"/>
+    <p:sldId id="259" r:id="rId8"/>
+    <p:sldId id="260" r:id="rId9"/>
+    <p:sldId id="263" r:id="rId10"/>
   </p:sldIdLst>
   <p:sldSz cx="12192000" cy="6858000"/>
   <p:notesSz cx="6858000" cy="9144000"/>
   <p:defaultTextStyle>
     <a:defPPr>
-      <a:defRPr lang="fr-FR"/>
+      <a:defRPr lang="en-US"/>
     </a:defPPr>
-    <a:lvl1pPr marL="0" algn="l" defTabSz="914400" rtl="0" eaLnBrk="1" latinLnBrk="0" hangingPunct="1">
+    <a:lvl1pPr marL="0" algn="l" defTabSz="457200" rtl="0" eaLnBrk="1" latinLnBrk="0" hangingPunct="1">
       <a:defRPr sz="1800" kern="1200">
         <a:solidFill>
           <a:schemeClr val="tx1"/>
@@ -23,7 +34,7 @@
         <a:cs typeface="+mn-cs"/>
       </a:defRPr>
     </a:lvl1pPr>
-    <a:lvl2pPr marL="457200" algn="l" defTabSz="914400" rtl="0" eaLnBrk="1" latinLnBrk="0" hangingPunct="1">
+    <a:lvl2pPr marL="457200" algn="l" defTabSz="457200" rtl="0" eaLnBrk="1" latinLnBrk="0" hangingPunct="1">
       <a:defRPr sz="1800" kern="1200">
         <a:solidFill>
           <a:schemeClr val="tx1"/>
@@ -33,7 +44,7 @@
         <a:cs typeface="+mn-cs"/>
       </a:defRPr>
     </a:lvl2pPr>
-    <a:lvl3pPr marL="914400" algn="l" defTabSz="914400" rtl="0" eaLnBrk="1" latinLnBrk="0" hangingPunct="1">
+    <a:lvl3pPr marL="914400" algn="l" defTabSz="457200" rtl="0" eaLnBrk="1" latinLnBrk="0" hangingPunct="1">
       <a:defRPr sz="1800" kern="1200">
         <a:solidFill>
           <a:schemeClr val="tx1"/>
@@ -43,7 +54,7 @@
         <a:cs typeface="+mn-cs"/>
       </a:defRPr>
     </a:lvl3pPr>
-    <a:lvl4pPr marL="1371600" algn="l" defTabSz="914400" rtl="0" eaLnBrk="1" latinLnBrk="0" hangingPunct="1">
+    <a:lvl4pPr marL="1371600" algn="l" defTabSz="457200" rtl="0" eaLnBrk="1" latinLnBrk="0" hangingPunct="1">
       <a:defRPr sz="1800" kern="1200">
         <a:solidFill>
           <a:schemeClr val="tx1"/>
@@ -53,7 +64,7 @@
         <a:cs typeface="+mn-cs"/>
       </a:defRPr>
     </a:lvl4pPr>
-    <a:lvl5pPr marL="1828800" algn="l" defTabSz="914400" rtl="0" eaLnBrk="1" latinLnBrk="0" hangingPunct="1">
+    <a:lvl5pPr marL="1828800" algn="l" defTabSz="457200" rtl="0" eaLnBrk="1" latinLnBrk="0" hangingPunct="1">
       <a:defRPr sz="1800" kern="1200">
         <a:solidFill>
           <a:schemeClr val="tx1"/>
@@ -63,7 +74,7 @@
         <a:cs typeface="+mn-cs"/>
       </a:defRPr>
     </a:lvl5pPr>
-    <a:lvl6pPr marL="2286000" algn="l" defTabSz="914400" rtl="0" eaLnBrk="1" latinLnBrk="0" hangingPunct="1">
+    <a:lvl6pPr marL="2286000" algn="l" defTabSz="457200" rtl="0" eaLnBrk="1" latinLnBrk="0" hangingPunct="1">
       <a:defRPr sz="1800" kern="1200">
         <a:solidFill>
           <a:schemeClr val="tx1"/>
@@ -73,7 +84,7 @@
         <a:cs typeface="+mn-cs"/>
       </a:defRPr>
     </a:lvl6pPr>
-    <a:lvl7pPr marL="2743200" algn="l" defTabSz="914400" rtl="0" eaLnBrk="1" latinLnBrk="0" hangingPunct="1">
+    <a:lvl7pPr marL="2743200" algn="l" defTabSz="457200" rtl="0" eaLnBrk="1" latinLnBrk="0" hangingPunct="1">
       <a:defRPr sz="1800" kern="1200">
         <a:solidFill>
           <a:schemeClr val="tx1"/>
@@ -83,7 +94,7 @@
         <a:cs typeface="+mn-cs"/>
       </a:defRPr>
     </a:lvl7pPr>
-    <a:lvl8pPr marL="3200400" algn="l" defTabSz="914400" rtl="0" eaLnBrk="1" latinLnBrk="0" hangingPunct="1">
+    <a:lvl8pPr marL="3200400" algn="l" defTabSz="457200" rtl="0" eaLnBrk="1" latinLnBrk="0" hangingPunct="1">
       <a:defRPr sz="1800" kern="1200">
         <a:solidFill>
           <a:schemeClr val="tx1"/>
@@ -93,7 +104,7 @@
         <a:cs typeface="+mn-cs"/>
       </a:defRPr>
     </a:lvl8pPr>
-    <a:lvl9pPr marL="3657600" algn="l" defTabSz="914400" rtl="0" eaLnBrk="1" latinLnBrk="0" hangingPunct="1">
+    <a:lvl9pPr marL="3657600" algn="l" defTabSz="457200" rtl="0" eaLnBrk="1" latinLnBrk="0" hangingPunct="1">
       <a:defRPr sz="1800" kern="1200">
         <a:solidFill>
           <a:schemeClr val="tx1"/>
@@ -104,11 +115,181 @@
       </a:defRPr>
     </a:lvl9pPr>
   </p:defaultTextStyle>
+  <p:extLst>
+    <p:ext uri="{EFAFB233-063F-42B5-8137-9DF3F51BA10A}">
+      <p15:sldGuideLst xmlns:p15="http://schemas.microsoft.com/office/powerpoint/2012/main"/>
+    </p:ext>
+  </p:extLst>
 </p:presentation>
 </file>
 
+<file path=ppt/handoutMasters/handoutMaster1.xml><?xml version="1.0" encoding="utf-8"?>
+<p:handoutMaster xmlns:a="http://schemas.openxmlformats.org/drawingml/2006/main" xmlns:r="http://schemas.openxmlformats.org/officeDocument/2006/relationships" xmlns:p="http://schemas.openxmlformats.org/presentationml/2006/main">
+  <p:cSld>
+    <p:bg>
+      <p:bgRef idx="1001">
+        <a:schemeClr val="bg1"/>
+      </p:bgRef>
+    </p:bg>
+    <p:spTree>
+      <p:nvGrpSpPr>
+        <p:cNvPr id="1" name=""/>
+        <p:cNvGrpSpPr/>
+        <p:nvPr/>
+      </p:nvGrpSpPr>
+      <p:grpSpPr>
+        <a:xfrm>
+          <a:off x="0" y="0"/>
+          <a:ext cx="0" cy="0"/>
+          <a:chOff x="0" y="0"/>
+          <a:chExt cx="0" cy="0"/>
+        </a:xfrm>
+      </p:grpSpPr>
+      <p:sp>
+        <p:nvSpPr>
+          <p:cNvPr id="2" name="Espace réservé de l'en-tête 1"/>
+          <p:cNvSpPr>
+            <a:spLocks noGrp="1"/>
+          </p:cNvSpPr>
+          <p:nvPr>
+            <p:ph type="hdr" sz="quarter"/>
+          </p:nvPr>
+        </p:nvSpPr>
+        <p:spPr>
+          <a:xfrm>
+            <a:off x="0" y="0"/>
+            <a:ext cx="2971800" cy="458788"/>
+          </a:xfrm>
+          <a:prstGeom prst="rect">
+            <a:avLst/>
+          </a:prstGeom>
+        </p:spPr>
+        <p:txBody>
+          <a:bodyPr vert="horz" lIns="91440" tIns="45720" rIns="91440" bIns="45720" rtlCol="0"/>
+          <a:lstStyle>
+            <a:lvl1pPr algn="l">
+              <a:defRPr sz="1200"/>
+            </a:lvl1pPr>
+          </a:lstStyle>
+          <a:p>
+            <a:endParaRPr lang="fr-FR"/>
+          </a:p>
+        </p:txBody>
+      </p:sp>
+      <p:sp>
+        <p:nvSpPr>
+          <p:cNvPr id="3" name="Espace réservé de la date 2"/>
+          <p:cNvSpPr>
+            <a:spLocks noGrp="1"/>
+          </p:cNvSpPr>
+          <p:nvPr>
+            <p:ph type="dt" sz="quarter" idx="1"/>
+          </p:nvPr>
+        </p:nvSpPr>
+        <p:spPr>
+          <a:xfrm>
+            <a:off x="3884613" y="0"/>
+            <a:ext cx="2971800" cy="458788"/>
+          </a:xfrm>
+          <a:prstGeom prst="rect">
+            <a:avLst/>
+          </a:prstGeom>
+        </p:spPr>
+        <p:txBody>
+          <a:bodyPr vert="horz" lIns="91440" tIns="45720" rIns="91440" bIns="45720" rtlCol="0"/>
+          <a:lstStyle>
+            <a:lvl1pPr algn="r">
+              <a:defRPr sz="1200"/>
+            </a:lvl1pPr>
+          </a:lstStyle>
+          <a:p>
+            <a:fld id="{4F313363-46CF-4CB3-BEE0-BDD125EAD77D}" type="datetimeFigureOut">
+              <a:rPr lang="fr-FR" smtClean="0"/>
+              <a:t>28/02/2017</a:t>
+            </a:fld>
+            <a:endParaRPr lang="fr-FR"/>
+          </a:p>
+        </p:txBody>
+      </p:sp>
+      <p:sp>
+        <p:nvSpPr>
+          <p:cNvPr id="4" name="Espace réservé du pied de page 3"/>
+          <p:cNvSpPr>
+            <a:spLocks noGrp="1"/>
+          </p:cNvSpPr>
+          <p:nvPr>
+            <p:ph type="ftr" sz="quarter" idx="2"/>
+          </p:nvPr>
+        </p:nvSpPr>
+        <p:spPr>
+          <a:xfrm>
+            <a:off x="0" y="8685213"/>
+            <a:ext cx="2971800" cy="458787"/>
+          </a:xfrm>
+          <a:prstGeom prst="rect">
+            <a:avLst/>
+          </a:prstGeom>
+        </p:spPr>
+        <p:txBody>
+          <a:bodyPr vert="horz" lIns="91440" tIns="45720" rIns="91440" bIns="45720" rtlCol="0" anchor="b"/>
+          <a:lstStyle>
+            <a:lvl1pPr algn="l">
+              <a:defRPr sz="1200"/>
+            </a:lvl1pPr>
+          </a:lstStyle>
+          <a:p>
+            <a:endParaRPr lang="fr-FR"/>
+          </a:p>
+        </p:txBody>
+      </p:sp>
+      <p:sp>
+        <p:nvSpPr>
+          <p:cNvPr id="5" name="Espace réservé du numéro de diapositive 4"/>
+          <p:cNvSpPr>
+            <a:spLocks noGrp="1"/>
+          </p:cNvSpPr>
+          <p:nvPr>
+            <p:ph type="sldNum" sz="quarter" idx="3"/>
+          </p:nvPr>
+        </p:nvSpPr>
+        <p:spPr>
+          <a:xfrm>
+            <a:off x="3884613" y="8685213"/>
+            <a:ext cx="2971800" cy="458787"/>
+          </a:xfrm>
+          <a:prstGeom prst="rect">
+            <a:avLst/>
+          </a:prstGeom>
+        </p:spPr>
+        <p:txBody>
+          <a:bodyPr vert="horz" lIns="91440" tIns="45720" rIns="91440" bIns="45720" rtlCol="0" anchor="b"/>
+          <a:lstStyle>
+            <a:lvl1pPr algn="r">
+              <a:defRPr sz="1200"/>
+            </a:lvl1pPr>
+          </a:lstStyle>
+          <a:p>
+            <a:fld id="{C194DFEA-DA10-4E1C-A2B8-9D3DCA24CFFC}" type="slidenum">
+              <a:rPr lang="fr-FR" smtClean="0"/>
+              <a:t>‹N°›</a:t>
+            </a:fld>
+            <a:endParaRPr lang="fr-FR"/>
+          </a:p>
+        </p:txBody>
+      </p:sp>
+    </p:spTree>
+    <p:extLst>
+      <p:ext uri="{BB962C8B-B14F-4D97-AF65-F5344CB8AC3E}">
+        <p14:creationId xmlns:p14="http://schemas.microsoft.com/office/powerpoint/2010/main" val="1895811764"/>
+      </p:ext>
+    </p:extLst>
+  </p:cSld>
+  <p:clrMap bg1="lt1" tx1="dk1" bg2="lt2" tx2="dk2" accent1="accent1" accent2="accent2" accent3="accent3" accent4="accent4" accent5="accent5" accent6="accent6" hlink="hlink" folHlink="folHlink"/>
+</p:handoutMaster>
+</file>
+
 <file path=ppt/slideLayouts/slideLayout1.xml><?xml version="1.0" encoding="utf-8"?>
-<p:sldLayout xmlns:a="http://schemas.openxmlformats.org/drawingml/2006/main" xmlns:r="http://schemas.openxmlformats.org/officeDocument/2006/relationships" xmlns:p="http://schemas.openxmlformats.org/presentationml/2006/main" type="title" preserve="1">
+<p:sldLayout xmlns:a="http://schemas.openxmlformats.org/drawingml/2006/main" xmlns:r="http://schemas.openxmlformats.org/officeDocument/2006/relationships" xmlns:p="http://schemas.openxmlformats.org/presentationml/2006/main" showMasterSp="0" type="title" preserve="1">
   <p:cSld name="Diapositive de titre">
     <p:spTree>
       <p:nvGrpSpPr>
@@ -126,25 +307,291 @@
       </p:grpSpPr>
       <p:sp>
         <p:nvSpPr>
-          <p:cNvPr id="2" name="Titre 1"/>
-          <p:cNvSpPr>
-            <a:spLocks noGrp="1"/>
-          </p:cNvSpPr>
-          <p:nvPr>
-            <p:ph type="ctrTitle"/>
-          </p:nvPr>
+          <p:cNvPr id="7" name="Rectangle 6"/>
+          <p:cNvSpPr/>
+          <p:nvPr/>
         </p:nvSpPr>
         <p:spPr>
           <a:xfrm>
-            <a:off x="1524000" y="1122363"/>
-            <a:ext cx="9144000" cy="2387600"/>
+            <a:off x="920834" y="1346946"/>
+            <a:ext cx="10222992" cy="80683"/>
+          </a:xfrm>
+          <a:prstGeom prst="rect">
+            <a:avLst/>
+          </a:prstGeom>
+          <a:blipFill dpi="0" rotWithShape="1">
+            <a:blip r:embed="rId2">
+              <a:alphaModFix amt="85000"/>
+              <a:lum bright="70000" contrast="-70000"/>
+              <a:extLst>
+                <a:ext uri="{BEBA8EAE-BF5A-486C-A8C5-ECC9F3942E4B}">
+                  <a14:imgProps xmlns:a14="http://schemas.microsoft.com/office/drawing/2010/main">
+                    <a14:imgLayer r:embed="rId3">
+                      <a14:imgEffect>
+                        <a14:sharpenSoften amount="61000"/>
+                      </a14:imgEffect>
+                    </a14:imgLayer>
+                  </a14:imgProps>
+                </a:ext>
+                <a:ext uri="{28A0092B-C50C-407E-A947-70E740481C1C}">
+                  <a14:useLocalDpi xmlns:a14="http://schemas.microsoft.com/office/drawing/2010/main" val="0"/>
+                </a:ext>
+              </a:extLst>
+            </a:blip>
+            <a:srcRect/>
+            <a:tile tx="0" ty="-762000" sx="92000" sy="89000" flip="xy" algn="ctr"/>
+          </a:blipFill>
+          <a:ln>
+            <a:noFill/>
+          </a:ln>
+        </p:spPr>
+        <p:style>
+          <a:lnRef idx="2">
+            <a:schemeClr val="accent1">
+              <a:shade val="50000"/>
+            </a:schemeClr>
+          </a:lnRef>
+          <a:fillRef idx="1">
+            <a:schemeClr val="accent1"/>
+          </a:fillRef>
+          <a:effectRef idx="0">
+            <a:schemeClr val="accent1"/>
+          </a:effectRef>
+          <a:fontRef idx="minor">
+            <a:schemeClr val="lt1"/>
+          </a:fontRef>
+        </p:style>
+      </p:sp>
+      <p:sp>
+        <p:nvSpPr>
+          <p:cNvPr id="8" name="Rectangle 7"/>
+          <p:cNvSpPr/>
+          <p:nvPr/>
+        </p:nvSpPr>
+        <p:spPr>
+          <a:xfrm>
+            <a:off x="920834" y="4299696"/>
+            <a:ext cx="10222992" cy="80683"/>
+          </a:xfrm>
+          <a:prstGeom prst="rect">
+            <a:avLst/>
+          </a:prstGeom>
+          <a:blipFill dpi="0" rotWithShape="1">
+            <a:blip r:embed="rId2">
+              <a:alphaModFix amt="85000"/>
+              <a:lum bright="70000" contrast="-70000"/>
+              <a:extLst>
+                <a:ext uri="{BEBA8EAE-BF5A-486C-A8C5-ECC9F3942E4B}">
+                  <a14:imgProps xmlns:a14="http://schemas.microsoft.com/office/drawing/2010/main">
+                    <a14:imgLayer r:embed="rId3">
+                      <a14:imgEffect>
+                        <a14:sharpenSoften amount="61000"/>
+                      </a14:imgEffect>
+                    </a14:imgLayer>
+                  </a14:imgProps>
+                </a:ext>
+                <a:ext uri="{28A0092B-C50C-407E-A947-70E740481C1C}">
+                  <a14:useLocalDpi xmlns:a14="http://schemas.microsoft.com/office/drawing/2010/main" val="0"/>
+                </a:ext>
+              </a:extLst>
+            </a:blip>
+            <a:srcRect/>
+            <a:tile tx="0" ty="-717550" sx="92000" sy="89000" flip="xy" algn="ctr"/>
+          </a:blipFill>
+          <a:ln>
+            <a:noFill/>
+          </a:ln>
+        </p:spPr>
+        <p:style>
+          <a:lnRef idx="2">
+            <a:schemeClr val="accent1">
+              <a:shade val="50000"/>
+            </a:schemeClr>
+          </a:lnRef>
+          <a:fillRef idx="1">
+            <a:schemeClr val="accent1"/>
+          </a:fillRef>
+          <a:effectRef idx="0">
+            <a:schemeClr val="accent1"/>
+          </a:effectRef>
+          <a:fontRef idx="minor">
+            <a:schemeClr val="lt1"/>
+          </a:fontRef>
+        </p:style>
+      </p:sp>
+      <p:sp>
+        <p:nvSpPr>
+          <p:cNvPr id="9" name="Rectangle 8"/>
+          <p:cNvSpPr/>
+          <p:nvPr/>
+        </p:nvSpPr>
+        <p:spPr>
+          <a:xfrm>
+            <a:off x="920834" y="1484779"/>
+            <a:ext cx="10222992" cy="2743200"/>
+          </a:xfrm>
+          <a:prstGeom prst="rect">
+            <a:avLst/>
+          </a:prstGeom>
+          <a:blipFill dpi="0" rotWithShape="1">
+            <a:blip r:embed="rId2">
+              <a:alphaModFix amt="85000"/>
+              <a:lum bright="70000" contrast="-70000"/>
+              <a:extLst>
+                <a:ext uri="{BEBA8EAE-BF5A-486C-A8C5-ECC9F3942E4B}">
+                  <a14:imgProps xmlns:a14="http://schemas.microsoft.com/office/drawing/2010/main">
+                    <a14:imgLayer r:embed="rId3">
+                      <a14:imgEffect>
+                        <a14:sharpenSoften amount="61000"/>
+                      </a14:imgEffect>
+                    </a14:imgLayer>
+                  </a14:imgProps>
+                </a:ext>
+                <a:ext uri="{28A0092B-C50C-407E-A947-70E740481C1C}">
+                  <a14:useLocalDpi xmlns:a14="http://schemas.microsoft.com/office/drawing/2010/main" val="0"/>
+                </a:ext>
+              </a:extLst>
+            </a:blip>
+            <a:srcRect/>
+            <a:tile tx="0" ty="-704850" sx="92000" sy="89000" flip="xy" algn="ctr"/>
+          </a:blipFill>
+          <a:ln>
+            <a:noFill/>
+          </a:ln>
+        </p:spPr>
+        <p:style>
+          <a:lnRef idx="2">
+            <a:schemeClr val="accent1">
+              <a:shade val="50000"/>
+            </a:schemeClr>
+          </a:lnRef>
+          <a:fillRef idx="1">
+            <a:schemeClr val="accent1"/>
+          </a:fillRef>
+          <a:effectRef idx="0">
+            <a:schemeClr val="accent1"/>
+          </a:effectRef>
+          <a:fontRef idx="minor">
+            <a:schemeClr val="lt1"/>
+          </a:fontRef>
+        </p:style>
+      </p:sp>
+      <p:grpSp>
+        <p:nvGrpSpPr>
+          <p:cNvPr id="10" name="Group 9"/>
+          <p:cNvGrpSpPr/>
+          <p:nvPr/>
+        </p:nvGrpSpPr>
+        <p:grpSpPr>
+          <a:xfrm>
+            <a:off x="9649215" y="4068923"/>
+            <a:ext cx="1080904" cy="1080902"/>
+            <a:chOff x="9685338" y="4460675"/>
+            <a:chExt cx="1080904" cy="1080902"/>
+          </a:xfrm>
+        </p:grpSpPr>
+        <p:sp>
+          <p:nvSpPr>
+            <p:cNvPr id="11" name="Oval 10"/>
+            <p:cNvSpPr/>
+            <p:nvPr/>
+          </p:nvSpPr>
+          <p:spPr>
+            <a:xfrm>
+              <a:off x="9685338" y="4460675"/>
+              <a:ext cx="1080904" cy="1080902"/>
+            </a:xfrm>
+            <a:prstGeom prst="ellipse">
+              <a:avLst/>
+            </a:prstGeom>
+            <a:blipFill dpi="0" rotWithShape="1">
+              <a:blip r:embed="rId4">
+                <a:duotone>
+                  <a:schemeClr val="accent1">
+                    <a:shade val="45000"/>
+                    <a:satMod val="135000"/>
+                  </a:schemeClr>
+                  <a:prstClr val="white"/>
+                </a:duotone>
+                <a:extLst>
+                  <a:ext uri="{BEBA8EAE-BF5A-486C-A8C5-ECC9F3942E4B}">
+                    <a14:imgProps xmlns:a14="http://schemas.microsoft.com/office/drawing/2010/main">
+                      <a14:imgLayer r:embed="rId5">
+                        <a14:imgEffect>
+                          <a14:saturation sat="95000"/>
+                        </a14:imgEffect>
+                      </a14:imgLayer>
+                    </a14:imgProps>
+                  </a:ext>
+                </a:extLst>
+              </a:blip>
+              <a:srcRect/>
+              <a:tile tx="0" ty="0" sx="85000" sy="85000" flip="none" algn="tl"/>
+            </a:blipFill>
+            <a:ln w="25400" cap="flat" cmpd="sng" algn="ctr">
+              <a:noFill/>
+              <a:prstDash val="solid"/>
+            </a:ln>
+            <a:effectLst/>
+          </p:spPr>
+        </p:sp>
+        <p:sp>
+          <p:nvSpPr>
+            <p:cNvPr id="12" name="Oval 11"/>
+            <p:cNvSpPr/>
+            <p:nvPr/>
+          </p:nvSpPr>
+          <p:spPr>
+            <a:xfrm>
+              <a:off x="9793429" y="4568765"/>
+              <a:ext cx="864723" cy="864722"/>
+            </a:xfrm>
+            <a:prstGeom prst="ellipse">
+              <a:avLst/>
+            </a:prstGeom>
+            <a:noFill/>
+            <a:ln w="25400" cap="flat" cmpd="sng" algn="ctr">
+              <a:solidFill>
+                <a:sysClr val="window" lastClr="FFFFFF"/>
+              </a:solidFill>
+              <a:prstDash val="solid"/>
+            </a:ln>
+            <a:effectLst/>
+          </p:spPr>
+        </p:sp>
+      </p:grpSp>
+      <p:sp>
+        <p:nvSpPr>
+          <p:cNvPr id="2" name="Title 1"/>
+          <p:cNvSpPr>
+            <a:spLocks noGrp="1"/>
+          </p:cNvSpPr>
+          <p:nvPr>
+            <p:ph type="ctrTitle"/>
+          </p:nvPr>
+        </p:nvSpPr>
+        <p:spPr>
+          <a:xfrm>
+            <a:off x="1051560" y="1432223"/>
+            <a:ext cx="9966960" cy="3035808"/>
           </a:xfrm>
         </p:spPr>
         <p:txBody>
-          <a:bodyPr anchor="b"/>
+          <a:bodyPr anchor="ctr">
+            <a:noAutofit/>
+          </a:bodyPr>
           <a:lstStyle>
-            <a:lvl1pPr algn="ctr">
-              <a:defRPr sz="6000"/>
+            <a:lvl1pPr algn="l">
+              <a:lnSpc>
+                <a:spcPct val="80000"/>
+              </a:lnSpc>
+              <a:defRPr sz="9600" cap="all" baseline="0">
+                <a:blipFill dpi="0" rotWithShape="1">
+                  <a:blip r:embed="rId4"/>
+                  <a:srcRect/>
+                  <a:tile tx="6350" ty="-127000" sx="65000" sy="64000" flip="none" algn="tl"/>
+                </a:blipFill>
+              </a:defRPr>
             </a:lvl1pPr>
           </a:lstStyle>
           <a:p>
@@ -152,13 +599,13 @@
               <a:rPr lang="fr-FR"/>
               <a:t>Modifiez le style du titre</a:t>
             </a:r>
-            <a:endParaRPr lang="fr-FR"/>
-          </a:p>
-        </p:txBody>
-      </p:sp>
-      <p:sp>
-        <p:nvSpPr>
-          <p:cNvPr id="3" name="Sous-titre 2"/>
+            <a:endParaRPr lang="en-US" dirty="0"/>
+          </a:p>
+        </p:txBody>
+      </p:sp>
+      <p:sp>
+        <p:nvSpPr>
+          <p:cNvPr id="3" name="Subtitle 2"/>
           <p:cNvSpPr>
             <a:spLocks noGrp="1"/>
           </p:cNvSpPr>
@@ -168,48 +615,54 @@
         </p:nvSpPr>
         <p:spPr>
           <a:xfrm>
-            <a:off x="1524000" y="3602038"/>
-            <a:ext cx="9144000" cy="1655762"/>
+            <a:off x="1069848" y="4389120"/>
+            <a:ext cx="7891272" cy="1069848"/>
           </a:xfrm>
         </p:spPr>
         <p:txBody>
-          <a:bodyPr/>
+          <a:bodyPr>
+            <a:normAutofit/>
+          </a:bodyPr>
           <a:lstStyle>
-            <a:lvl1pPr marL="0" indent="0" algn="ctr">
-              <a:buNone/>
-              <a:defRPr sz="2400"/>
+            <a:lvl1pPr marL="0" indent="0" algn="l">
+              <a:buNone/>
+              <a:defRPr sz="2200">
+                <a:solidFill>
+                  <a:schemeClr val="tx1"/>
+                </a:solidFill>
+              </a:defRPr>
             </a:lvl1pPr>
             <a:lvl2pPr marL="457200" indent="0" algn="ctr">
               <a:buNone/>
-              <a:defRPr sz="2000"/>
+              <a:defRPr sz="2200"/>
             </a:lvl2pPr>
             <a:lvl3pPr marL="914400" indent="0" algn="ctr">
               <a:buNone/>
-              <a:defRPr sz="1800"/>
+              <a:defRPr sz="2200"/>
             </a:lvl3pPr>
             <a:lvl4pPr marL="1371600" indent="0" algn="ctr">
               <a:buNone/>
-              <a:defRPr sz="1600"/>
+              <a:defRPr sz="2000"/>
             </a:lvl4pPr>
             <a:lvl5pPr marL="1828800" indent="0" algn="ctr">
               <a:buNone/>
-              <a:defRPr sz="1600"/>
+              <a:defRPr sz="2000"/>
             </a:lvl5pPr>
             <a:lvl6pPr marL="2286000" indent="0" algn="ctr">
               <a:buNone/>
-              <a:defRPr sz="1600"/>
+              <a:defRPr sz="2000"/>
             </a:lvl6pPr>
             <a:lvl7pPr marL="2743200" indent="0" algn="ctr">
               <a:buNone/>
-              <a:defRPr sz="1600"/>
+              <a:defRPr sz="2000"/>
             </a:lvl7pPr>
             <a:lvl8pPr marL="3200400" indent="0" algn="ctr">
               <a:buNone/>
-              <a:defRPr sz="1600"/>
+              <a:defRPr sz="2000"/>
             </a:lvl8pPr>
             <a:lvl9pPr marL="3657600" indent="0" algn="ctr">
               <a:buNone/>
-              <a:defRPr sz="1600"/>
+              <a:defRPr sz="2000"/>
             </a:lvl9pPr>
           </a:lstStyle>
           <a:p>
@@ -217,13 +670,13 @@
               <a:rPr lang="fr-FR"/>
               <a:t>Modifier le style des sous-titres du masque</a:t>
             </a:r>
-            <a:endParaRPr lang="fr-FR"/>
-          </a:p>
-        </p:txBody>
-      </p:sp>
-      <p:sp>
-        <p:nvSpPr>
-          <p:cNvPr id="4" name="Espace réservé de la date 3"/>
+            <a:endParaRPr lang="en-US" dirty="0"/>
+          </a:p>
+        </p:txBody>
+      </p:sp>
+      <p:sp>
+        <p:nvSpPr>
+          <p:cNvPr id="4" name="Date Placeholder 3"/>
           <p:cNvSpPr>
             <a:spLocks noGrp="1"/>
           </p:cNvSpPr>
@@ -234,19 +687,24 @@
         <p:spPr/>
         <p:txBody>
           <a:bodyPr/>
-          <a:lstStyle/>
+          <a:lstStyle>
+            <a:lvl1pPr>
+              <a:defRPr sz="1200"/>
+            </a:lvl1pPr>
+          </a:lstStyle>
           <a:p>
             <a:fld id="{B08E338C-DB01-4BFB-B7AC-5AE95E437AFB}" type="datetimeFigureOut">
               <a:rPr lang="fr-FR" smtClean="0"/>
-              <a:t>19/02/2017</a:t>
+              <a:pPr/>
+              <a:t>28/02/2017</a:t>
             </a:fld>
-            <a:endParaRPr lang="fr-FR"/>
-          </a:p>
-        </p:txBody>
-      </p:sp>
-      <p:sp>
-        <p:nvSpPr>
-          <p:cNvPr id="5" name="Espace réservé du pied de page 4"/>
+            <a:endParaRPr lang="fr-FR" dirty="0"/>
+          </a:p>
+        </p:txBody>
+      </p:sp>
+      <p:sp>
+        <p:nvSpPr>
+          <p:cNvPr id="5" name="Footer Placeholder 4"/>
           <p:cNvSpPr>
             <a:spLocks noGrp="1"/>
           </p:cNvSpPr>
@@ -257,15 +715,19 @@
         <p:spPr/>
         <p:txBody>
           <a:bodyPr/>
-          <a:lstStyle/>
-          <a:p>
-            <a:endParaRPr lang="fr-FR"/>
-          </a:p>
-        </p:txBody>
-      </p:sp>
-      <p:sp>
-        <p:nvSpPr>
-          <p:cNvPr id="6" name="Espace réservé du numéro de diapositive 5"/>
+          <a:lstStyle>
+            <a:lvl1pPr>
+              <a:defRPr sz="1200"/>
+            </a:lvl1pPr>
+          </a:lstStyle>
+          <a:p>
+            <a:endParaRPr lang="fr-FR" dirty="0"/>
+          </a:p>
+        </p:txBody>
+      </p:sp>
+      <p:sp>
+        <p:nvSpPr>
+          <p:cNvPr id="6" name="Slide Number Placeholder 5"/>
           <p:cNvSpPr>
             <a:spLocks noGrp="1"/>
           </p:cNvSpPr>
@@ -273,10 +735,19 @@
             <p:ph type="sldNum" sz="quarter" idx="12"/>
           </p:nvPr>
         </p:nvSpPr>
-        <p:spPr/>
-        <p:txBody>
-          <a:bodyPr/>
-          <a:lstStyle/>
+        <p:spPr>
+          <a:xfrm>
+            <a:off x="9592733" y="4289334"/>
+            <a:ext cx="1193868" cy="640080"/>
+          </a:xfrm>
+        </p:spPr>
+        <p:txBody>
+          <a:bodyPr/>
+          <a:lstStyle>
+            <a:lvl1pPr>
+              <a:defRPr sz="2800"/>
+            </a:lvl1pPr>
+          </a:lstStyle>
           <a:p>
             <a:fld id="{AED36D2E-B405-4FD9-87A6-655A72359796}" type="slidenum">
               <a:rPr lang="fr-FR" smtClean="0"/>
@@ -286,10 +757,34 @@
           </a:p>
         </p:txBody>
       </p:sp>
+      <p:pic>
+        <p:nvPicPr>
+          <p:cNvPr id="13" name="Image 12"/>
+          <p:cNvPicPr>
+            <a:picLocks noChangeAspect="1"/>
+          </p:cNvPicPr>
+          <p:nvPr userDrawn="1"/>
+        </p:nvPicPr>
+        <p:blipFill>
+          <a:blip r:embed="rId6"/>
+          <a:stretch>
+            <a:fillRect/>
+          </a:stretch>
+        </p:blipFill>
+        <p:spPr>
+          <a:xfrm>
+            <a:off x="9288211" y="4275167"/>
+            <a:ext cx="1949765" cy="1296182"/>
+          </a:xfrm>
+          <a:prstGeom prst="rect">
+            <a:avLst/>
+          </a:prstGeom>
+        </p:spPr>
+      </p:pic>
     </p:spTree>
     <p:extLst>
       <p:ext uri="{BB962C8B-B14F-4D97-AF65-F5344CB8AC3E}">
-        <p14:creationId xmlns:p14="http://schemas.microsoft.com/office/powerpoint/2010/main" val="1385424289"/>
+        <p14:creationId xmlns:p14="http://schemas.microsoft.com/office/powerpoint/2010/main" val="3977321919"/>
       </p:ext>
     </p:extLst>
   </p:cSld>
@@ -318,7 +813,7 @@
       </p:grpSpPr>
       <p:sp>
         <p:nvSpPr>
-          <p:cNvPr id="2" name="Titre 1"/>
+          <p:cNvPr id="2" name="Title 1"/>
           <p:cNvSpPr>
             <a:spLocks noGrp="1"/>
           </p:cNvSpPr>
@@ -335,13 +830,13 @@
               <a:rPr lang="fr-FR"/>
               <a:t>Modifiez le style du titre</a:t>
             </a:r>
-            <a:endParaRPr lang="fr-FR"/>
-          </a:p>
-        </p:txBody>
-      </p:sp>
-      <p:sp>
-        <p:nvSpPr>
-          <p:cNvPr id="3" name="Espace réservé du texte vertical 2"/>
+            <a:endParaRPr lang="en-US" dirty="0"/>
+          </a:p>
+        </p:txBody>
+      </p:sp>
+      <p:sp>
+        <p:nvSpPr>
+          <p:cNvPr id="3" name="Vertical Text Placeholder 2"/>
           <p:cNvSpPr>
             <a:spLocks noGrp="1"/>
           </p:cNvSpPr>
@@ -387,13 +882,13 @@
               <a:rPr lang="fr-FR"/>
               <a:t>Cinquième niveau</a:t>
             </a:r>
-            <a:endParaRPr lang="fr-FR"/>
-          </a:p>
-        </p:txBody>
-      </p:sp>
-      <p:sp>
-        <p:nvSpPr>
-          <p:cNvPr id="4" name="Espace réservé de la date 3"/>
+            <a:endParaRPr lang="en-US" dirty="0"/>
+          </a:p>
+        </p:txBody>
+      </p:sp>
+      <p:sp>
+        <p:nvSpPr>
+          <p:cNvPr id="4" name="Date Placeholder 3"/>
           <p:cNvSpPr>
             <a:spLocks noGrp="1"/>
           </p:cNvSpPr>
@@ -408,7 +903,7 @@
           <a:p>
             <a:fld id="{B08E338C-DB01-4BFB-B7AC-5AE95E437AFB}" type="datetimeFigureOut">
               <a:rPr lang="fr-FR" smtClean="0"/>
-              <a:t>19/02/2017</a:t>
+              <a:t>28/02/2017</a:t>
             </a:fld>
             <a:endParaRPr lang="fr-FR"/>
           </a:p>
@@ -416,7 +911,7 @@
       </p:sp>
       <p:sp>
         <p:nvSpPr>
-          <p:cNvPr id="5" name="Espace réservé du pied de page 4"/>
+          <p:cNvPr id="5" name="Footer Placeholder 4"/>
           <p:cNvSpPr>
             <a:spLocks noGrp="1"/>
           </p:cNvSpPr>
@@ -435,7 +930,7 @@
       </p:sp>
       <p:sp>
         <p:nvSpPr>
-          <p:cNvPr id="6" name="Espace réservé du numéro de diapositive 5"/>
+          <p:cNvPr id="6" name="Slide Number Placeholder 5"/>
           <p:cNvSpPr>
             <a:spLocks noGrp="1"/>
           </p:cNvSpPr>
@@ -459,7 +954,7 @@
     </p:spTree>
     <p:extLst>
       <p:ext uri="{BB962C8B-B14F-4D97-AF65-F5344CB8AC3E}">
-        <p14:creationId xmlns:p14="http://schemas.microsoft.com/office/powerpoint/2010/main" val="274936407"/>
+        <p14:creationId xmlns:p14="http://schemas.microsoft.com/office/powerpoint/2010/main" val="1068485071"/>
       </p:ext>
     </p:extLst>
   </p:cSld>
@@ -488,7 +983,7 @@
       </p:grpSpPr>
       <p:sp>
         <p:nvSpPr>
-          <p:cNvPr id="2" name="Titre vertical 1"/>
+          <p:cNvPr id="2" name="Vertical Title 1"/>
           <p:cNvSpPr>
             <a:spLocks noGrp="1"/>
           </p:cNvSpPr>
@@ -498,8 +993,8 @@
         </p:nvSpPr>
         <p:spPr>
           <a:xfrm>
-            <a:off x="8724900" y="365125"/>
-            <a:ext cx="2628900" cy="5811838"/>
+            <a:off x="8724900" y="533400"/>
+            <a:ext cx="2552700" cy="5638800"/>
           </a:xfrm>
         </p:spPr>
         <p:txBody>
@@ -510,13 +1005,13 @@
               <a:rPr lang="fr-FR"/>
               <a:t>Modifiez le style du titre</a:t>
             </a:r>
-            <a:endParaRPr lang="fr-FR"/>
-          </a:p>
-        </p:txBody>
-      </p:sp>
-      <p:sp>
-        <p:nvSpPr>
-          <p:cNvPr id="3" name="Espace réservé du texte vertical 2"/>
+            <a:endParaRPr lang="en-US" dirty="0"/>
+          </a:p>
+        </p:txBody>
+      </p:sp>
+      <p:sp>
+        <p:nvSpPr>
+          <p:cNvPr id="3" name="Vertical Text Placeholder 2"/>
           <p:cNvSpPr>
             <a:spLocks noGrp="1"/>
           </p:cNvSpPr>
@@ -526,8 +1021,8 @@
         </p:nvSpPr>
         <p:spPr>
           <a:xfrm>
-            <a:off x="838200" y="365125"/>
-            <a:ext cx="7734300" cy="5811838"/>
+            <a:off x="1066800" y="533400"/>
+            <a:ext cx="7505700" cy="5638800"/>
           </a:xfrm>
         </p:spPr>
         <p:txBody>
@@ -567,13 +1062,13 @@
               <a:rPr lang="fr-FR"/>
               <a:t>Cinquième niveau</a:t>
             </a:r>
-            <a:endParaRPr lang="fr-FR"/>
-          </a:p>
-        </p:txBody>
-      </p:sp>
-      <p:sp>
-        <p:nvSpPr>
-          <p:cNvPr id="4" name="Espace réservé de la date 3"/>
+            <a:endParaRPr lang="en-US" dirty="0"/>
+          </a:p>
+        </p:txBody>
+      </p:sp>
+      <p:sp>
+        <p:nvSpPr>
+          <p:cNvPr id="4" name="Date Placeholder 3"/>
           <p:cNvSpPr>
             <a:spLocks noGrp="1"/>
           </p:cNvSpPr>
@@ -588,7 +1083,7 @@
           <a:p>
             <a:fld id="{B08E338C-DB01-4BFB-B7AC-5AE95E437AFB}" type="datetimeFigureOut">
               <a:rPr lang="fr-FR" smtClean="0"/>
-              <a:t>19/02/2017</a:t>
+              <a:t>28/02/2017</a:t>
             </a:fld>
             <a:endParaRPr lang="fr-FR"/>
           </a:p>
@@ -596,7 +1091,7 @@
       </p:sp>
       <p:sp>
         <p:nvSpPr>
-          <p:cNvPr id="5" name="Espace réservé du pied de page 4"/>
+          <p:cNvPr id="5" name="Footer Placeholder 4"/>
           <p:cNvSpPr>
             <a:spLocks noGrp="1"/>
           </p:cNvSpPr>
@@ -615,7 +1110,7 @@
       </p:sp>
       <p:sp>
         <p:nvSpPr>
-          <p:cNvPr id="6" name="Espace réservé du numéro de diapositive 5"/>
+          <p:cNvPr id="6" name="Slide Number Placeholder 5"/>
           <p:cNvSpPr>
             <a:spLocks noGrp="1"/>
           </p:cNvSpPr>
@@ -639,7 +1134,7 @@
     </p:spTree>
     <p:extLst>
       <p:ext uri="{BB962C8B-B14F-4D97-AF65-F5344CB8AC3E}">
-        <p14:creationId xmlns:p14="http://schemas.microsoft.com/office/powerpoint/2010/main" val="2978645936"/>
+        <p14:creationId xmlns:p14="http://schemas.microsoft.com/office/powerpoint/2010/main" val="1929591115"/>
       </p:ext>
     </p:extLst>
   </p:cSld>
@@ -650,7 +1145,7 @@
 </file>
 
 <file path=ppt/slideLayouts/slideLayout2.xml><?xml version="1.0" encoding="utf-8"?>
-<p:sldLayout xmlns:a="http://schemas.openxmlformats.org/drawingml/2006/main" xmlns:r="http://schemas.openxmlformats.org/officeDocument/2006/relationships" xmlns:p="http://schemas.openxmlformats.org/presentationml/2006/main" type="obj" preserve="1">
+<p:sldLayout xmlns:a="http://schemas.openxmlformats.org/drawingml/2006/main" xmlns:r="http://schemas.openxmlformats.org/officeDocument/2006/relationships" xmlns:p="http://schemas.openxmlformats.org/presentationml/2006/main" preserve="1" userDrawn="1">
   <p:cSld name="Titre et contenu">
     <p:spTree>
       <p:nvGrpSpPr>
@@ -668,12 +1163,12 @@
       </p:grpSpPr>
       <p:sp>
         <p:nvSpPr>
-          <p:cNvPr id="2" name="Titre 1"/>
-          <p:cNvSpPr>
-            <a:spLocks noGrp="1"/>
-          </p:cNvSpPr>
-          <p:nvPr>
-            <p:ph type="title"/>
+          <p:cNvPr id="3" name="Content Placeholder 2"/>
+          <p:cNvSpPr>
+            <a:spLocks noGrp="1"/>
+          </p:cNvSpPr>
+          <p:nvPr>
+            <p:ph idx="1"/>
           </p:nvPr>
         </p:nvSpPr>
         <p:spPr/>
@@ -681,29 +1176,6 @@
           <a:bodyPr/>
           <a:lstStyle/>
           <a:p>
-            <a:r>
-              <a:rPr lang="fr-FR"/>
-              <a:t>Modifiez le style du titre</a:t>
-            </a:r>
-            <a:endParaRPr lang="fr-FR"/>
-          </a:p>
-        </p:txBody>
-      </p:sp>
-      <p:sp>
-        <p:nvSpPr>
-          <p:cNvPr id="3" name="Espace réservé du contenu 2"/>
-          <p:cNvSpPr>
-            <a:spLocks noGrp="1"/>
-          </p:cNvSpPr>
-          <p:nvPr>
-            <p:ph idx="1"/>
-          </p:nvPr>
-        </p:nvSpPr>
-        <p:spPr/>
-        <p:txBody>
-          <a:bodyPr/>
-          <a:lstStyle/>
-          <a:p>
             <a:pPr lvl="0"/>
             <a:r>
               <a:rPr lang="fr-FR"/>
@@ -737,13 +1209,13 @@
               <a:rPr lang="fr-FR"/>
               <a:t>Cinquième niveau</a:t>
             </a:r>
-            <a:endParaRPr lang="fr-FR"/>
-          </a:p>
-        </p:txBody>
-      </p:sp>
-      <p:sp>
-        <p:nvSpPr>
-          <p:cNvPr id="4" name="Espace réservé de la date 3"/>
+            <a:endParaRPr lang="en-US" dirty="0"/>
+          </a:p>
+        </p:txBody>
+      </p:sp>
+      <p:sp>
+        <p:nvSpPr>
+          <p:cNvPr id="13" name="Espace réservé de la date 12"/>
           <p:cNvSpPr>
             <a:spLocks noGrp="1"/>
           </p:cNvSpPr>
@@ -758,7 +1230,7 @@
           <a:p>
             <a:fld id="{B08E338C-DB01-4BFB-B7AC-5AE95E437AFB}" type="datetimeFigureOut">
               <a:rPr lang="fr-FR" smtClean="0"/>
-              <a:t>19/02/2017</a:t>
+              <a:t>28/02/2017</a:t>
             </a:fld>
             <a:endParaRPr lang="fr-FR"/>
           </a:p>
@@ -766,7 +1238,7 @@
       </p:sp>
       <p:sp>
         <p:nvSpPr>
-          <p:cNvPr id="5" name="Espace réservé du pied de page 4"/>
+          <p:cNvPr id="14" name="Espace réservé du pied de page 13"/>
           <p:cNvSpPr>
             <a:spLocks noGrp="1"/>
           </p:cNvSpPr>
@@ -779,13 +1251,17 @@
           <a:bodyPr/>
           <a:lstStyle/>
           <a:p>
-            <a:endParaRPr lang="fr-FR"/>
-          </a:p>
-        </p:txBody>
-      </p:sp>
-      <p:sp>
-        <p:nvSpPr>
-          <p:cNvPr id="6" name="Espace réservé du numéro de diapositive 5"/>
+            <a:r>
+              <a:rPr lang="fr-FR"/>
+              <a:t>Java Pro - EJBadass							Benoît Garçon</a:t>
+            </a:r>
+            <a:endParaRPr lang="fr-FR" dirty="0"/>
+          </a:p>
+        </p:txBody>
+      </p:sp>
+      <p:sp>
+        <p:nvSpPr>
+          <p:cNvPr id="15" name="Espace réservé du numéro de diapositive 14"/>
           <p:cNvSpPr>
             <a:spLocks noGrp="1"/>
           </p:cNvSpPr>
@@ -802,6 +1278,29 @@
               <a:rPr lang="fr-FR" smtClean="0"/>
               <a:t>‹N°›</a:t>
             </a:fld>
+            <a:endParaRPr lang="fr-FR" dirty="0"/>
+          </a:p>
+        </p:txBody>
+      </p:sp>
+      <p:sp>
+        <p:nvSpPr>
+          <p:cNvPr id="16" name="Titre 15"/>
+          <p:cNvSpPr>
+            <a:spLocks noGrp="1"/>
+          </p:cNvSpPr>
+          <p:nvPr>
+            <p:ph type="title"/>
+          </p:nvPr>
+        </p:nvSpPr>
+        <p:spPr/>
+        <p:txBody>
+          <a:bodyPr/>
+          <a:lstStyle/>
+          <a:p>
+            <a:r>
+              <a:rPr lang="fr-FR"/>
+              <a:t>Modifiez le style du titre</a:t>
+            </a:r>
             <a:endParaRPr lang="fr-FR"/>
           </a:p>
         </p:txBody>
@@ -809,7 +1308,7 @@
     </p:spTree>
     <p:extLst>
       <p:ext uri="{BB962C8B-B14F-4D97-AF65-F5344CB8AC3E}">
-        <p14:creationId xmlns:p14="http://schemas.microsoft.com/office/powerpoint/2010/main" val="1333389078"/>
+        <p14:creationId xmlns:p14="http://schemas.microsoft.com/office/powerpoint/2010/main" val="1242485619"/>
       </p:ext>
     </p:extLst>
   </p:cSld>
@@ -820,7 +1319,7 @@
 </file>
 
 <file path=ppt/slideLayouts/slideLayout3.xml><?xml version="1.0" encoding="utf-8"?>
-<p:sldLayout xmlns:a="http://schemas.openxmlformats.org/drawingml/2006/main" xmlns:r="http://schemas.openxmlformats.org/officeDocument/2006/relationships" xmlns:p="http://schemas.openxmlformats.org/presentationml/2006/main" type="secHead" preserve="1">
+<p:sldLayout xmlns:a="http://schemas.openxmlformats.org/drawingml/2006/main" xmlns:r="http://schemas.openxmlformats.org/officeDocument/2006/relationships" xmlns:p="http://schemas.openxmlformats.org/presentationml/2006/main" showMasterSp="0" type="secHead" preserve="1">
   <p:cSld name="Titre de section">
     <p:spTree>
       <p:nvGrpSpPr>
@@ -838,25 +1337,87 @@
       </p:grpSpPr>
       <p:sp>
         <p:nvSpPr>
-          <p:cNvPr id="2" name="Titre 1"/>
-          <p:cNvSpPr>
-            <a:spLocks noGrp="1"/>
-          </p:cNvSpPr>
-          <p:nvPr>
-            <p:ph type="title"/>
-          </p:nvPr>
+          <p:cNvPr id="7" name="Rectangle 6"/>
+          <p:cNvSpPr/>
+          <p:nvPr/>
         </p:nvSpPr>
         <p:spPr>
           <a:xfrm>
-            <a:off x="831850" y="1709738"/>
-            <a:ext cx="10515600" cy="2852737"/>
+            <a:off x="0" y="4917989"/>
+            <a:ext cx="12192000" cy="1940010"/>
+          </a:xfrm>
+          <a:prstGeom prst="rect">
+            <a:avLst/>
+          </a:prstGeom>
+          <a:blipFill dpi="0" rotWithShape="1">
+            <a:blip r:embed="rId2">
+              <a:alphaModFix amt="85000"/>
+              <a:lum bright="70000" contrast="-70000"/>
+              <a:extLst>
+                <a:ext uri="{BEBA8EAE-BF5A-486C-A8C5-ECC9F3942E4B}">
+                  <a14:imgProps xmlns:a14="http://schemas.microsoft.com/office/drawing/2010/main">
+                    <a14:imgLayer r:embed="rId3">
+                      <a14:imgEffect>
+                        <a14:sharpenSoften amount="61000"/>
+                      </a14:imgEffect>
+                    </a14:imgLayer>
+                  </a14:imgProps>
+                </a:ext>
+                <a:ext uri="{28A0092B-C50C-407E-A947-70E740481C1C}">
+                  <a14:useLocalDpi xmlns:a14="http://schemas.microsoft.com/office/drawing/2010/main" val="0"/>
+                </a:ext>
+              </a:extLst>
+            </a:blip>
+            <a:srcRect/>
+            <a:tile tx="0" ty="-704850" sx="92000" sy="89000" flip="xy" algn="ctr"/>
+          </a:blipFill>
+          <a:ln>
+            <a:noFill/>
+          </a:ln>
+        </p:spPr>
+        <p:style>
+          <a:lnRef idx="2">
+            <a:schemeClr val="accent1">
+              <a:shade val="50000"/>
+            </a:schemeClr>
+          </a:lnRef>
+          <a:fillRef idx="1">
+            <a:schemeClr val="accent1"/>
+          </a:fillRef>
+          <a:effectRef idx="0">
+            <a:schemeClr val="accent1"/>
+          </a:effectRef>
+          <a:fontRef idx="minor">
+            <a:schemeClr val="lt1"/>
+          </a:fontRef>
+        </p:style>
+      </p:sp>
+      <p:sp>
+        <p:nvSpPr>
+          <p:cNvPr id="2" name="Title 1"/>
+          <p:cNvSpPr>
+            <a:spLocks noGrp="1"/>
+          </p:cNvSpPr>
+          <p:nvPr>
+            <p:ph type="title"/>
+          </p:nvPr>
+        </p:nvSpPr>
+        <p:spPr>
+          <a:xfrm>
+            <a:off x="2167128" y="1225296"/>
+            <a:ext cx="9281160" cy="3520440"/>
           </a:xfrm>
         </p:spPr>
         <p:txBody>
-          <a:bodyPr anchor="b"/>
+          <a:bodyPr anchor="ctr">
+            <a:normAutofit/>
+          </a:bodyPr>
           <a:lstStyle>
             <a:lvl1pPr>
-              <a:defRPr sz="6000"/>
+              <a:lnSpc>
+                <a:spcPct val="80000"/>
+              </a:lnSpc>
+              <a:defRPr sz="8000" b="0"/>
             </a:lvl1pPr>
           </a:lstStyle>
           <a:p>
@@ -864,13 +1425,13 @@
               <a:rPr lang="fr-FR"/>
               <a:t>Modifiez le style du titre</a:t>
             </a:r>
-            <a:endParaRPr lang="fr-FR"/>
-          </a:p>
-        </p:txBody>
-      </p:sp>
-      <p:sp>
-        <p:nvSpPr>
-          <p:cNvPr id="3" name="Espace réservé du texte 2"/>
+            <a:endParaRPr lang="en-US" dirty="0"/>
+          </a:p>
+        </p:txBody>
+      </p:sp>
+      <p:sp>
+        <p:nvSpPr>
+          <p:cNvPr id="3" name="Text Placeholder 2"/>
           <p:cNvSpPr>
             <a:spLocks noGrp="1"/>
           </p:cNvSpPr>
@@ -880,26 +1441,26 @@
         </p:nvSpPr>
         <p:spPr>
           <a:xfrm>
-            <a:off x="831850" y="4589463"/>
-            <a:ext cx="10515600" cy="1500187"/>
+            <a:off x="2165774" y="5020056"/>
+            <a:ext cx="9052560" cy="1066800"/>
           </a:xfrm>
         </p:spPr>
         <p:txBody>
-          <a:bodyPr/>
+          <a:bodyPr anchor="t">
+            <a:normAutofit/>
+          </a:bodyPr>
           <a:lstStyle>
             <a:lvl1pPr marL="0" indent="0">
               <a:buNone/>
-              <a:defRPr sz="2400">
+              <a:defRPr sz="2000">
                 <a:solidFill>
-                  <a:schemeClr val="tx1">
-                    <a:tint val="75000"/>
-                  </a:schemeClr>
+                  <a:schemeClr val="tx1"/>
                 </a:solidFill>
               </a:defRPr>
             </a:lvl1pPr>
             <a:lvl2pPr marL="457200" indent="0">
               <a:buNone/>
-              <a:defRPr sz="2000">
+              <a:defRPr sz="1800">
                 <a:solidFill>
                   <a:schemeClr val="tx1">
                     <a:tint val="75000"/>
@@ -909,7 +1470,7 @@
             </a:lvl2pPr>
             <a:lvl3pPr marL="914400" indent="0">
               <a:buNone/>
-              <a:defRPr sz="1800">
+              <a:defRPr sz="1600">
                 <a:solidFill>
                   <a:schemeClr val="tx1">
                     <a:tint val="75000"/>
@@ -919,7 +1480,7 @@
             </a:lvl3pPr>
             <a:lvl4pPr marL="1371600" indent="0">
               <a:buNone/>
-              <a:defRPr sz="1600">
+              <a:defRPr sz="1400">
                 <a:solidFill>
                   <a:schemeClr val="tx1">
                     <a:tint val="75000"/>
@@ -929,7 +1490,7 @@
             </a:lvl4pPr>
             <a:lvl5pPr marL="1828800" indent="0">
               <a:buNone/>
-              <a:defRPr sz="1600">
+              <a:defRPr sz="1400">
                 <a:solidFill>
                   <a:schemeClr val="tx1">
                     <a:tint val="75000"/>
@@ -939,7 +1500,7 @@
             </a:lvl5pPr>
             <a:lvl6pPr marL="2286000" indent="0">
               <a:buNone/>
-              <a:defRPr sz="1600">
+              <a:defRPr sz="1400">
                 <a:solidFill>
                   <a:schemeClr val="tx1">
                     <a:tint val="75000"/>
@@ -949,7 +1510,7 @@
             </a:lvl6pPr>
             <a:lvl7pPr marL="2743200" indent="0">
               <a:buNone/>
-              <a:defRPr sz="1600">
+              <a:defRPr sz="1400">
                 <a:solidFill>
                   <a:schemeClr val="tx1">
                     <a:tint val="75000"/>
@@ -959,7 +1520,7 @@
             </a:lvl7pPr>
             <a:lvl8pPr marL="3200400" indent="0">
               <a:buNone/>
-              <a:defRPr sz="1600">
+              <a:defRPr sz="1400">
                 <a:solidFill>
                   <a:schemeClr val="tx1">
                     <a:tint val="75000"/>
@@ -969,7 +1530,7 @@
             </a:lvl8pPr>
             <a:lvl9pPr marL="3657600" indent="0">
               <a:buNone/>
-              <a:defRPr sz="1600">
+              <a:defRPr sz="1400">
                 <a:solidFill>
                   <a:schemeClr val="tx1">
                     <a:tint val="75000"/>
@@ -989,7 +1550,7 @@
       </p:sp>
       <p:sp>
         <p:nvSpPr>
-          <p:cNvPr id="4" name="Espace réservé de la date 3"/>
+          <p:cNvPr id="4" name="Date Placeholder 3"/>
           <p:cNvSpPr>
             <a:spLocks noGrp="1"/>
           </p:cNvSpPr>
@@ -997,14 +1558,19 @@
             <p:ph type="dt" sz="half" idx="10"/>
           </p:nvPr>
         </p:nvSpPr>
-        <p:spPr/>
+        <p:spPr>
+          <a:xfrm>
+            <a:off x="8593667" y="6272784"/>
+            <a:ext cx="2644309" cy="365125"/>
+          </a:xfrm>
+        </p:spPr>
         <p:txBody>
           <a:bodyPr/>
           <a:lstStyle/>
           <a:p>
             <a:fld id="{B08E338C-DB01-4BFB-B7AC-5AE95E437AFB}" type="datetimeFigureOut">
               <a:rPr lang="fr-FR" smtClean="0"/>
-              <a:t>19/02/2017</a:t>
+              <a:t>28/02/2017</a:t>
             </a:fld>
             <a:endParaRPr lang="fr-FR"/>
           </a:p>
@@ -1012,7 +1578,7 @@
       </p:sp>
       <p:sp>
         <p:nvSpPr>
-          <p:cNvPr id="5" name="Espace réservé du pied de page 4"/>
+          <p:cNvPr id="5" name="Footer Placeholder 4"/>
           <p:cNvSpPr>
             <a:spLocks noGrp="1"/>
           </p:cNvSpPr>
@@ -1020,7 +1586,12 @@
             <p:ph type="ftr" sz="quarter" idx="11"/>
           </p:nvPr>
         </p:nvSpPr>
-        <p:spPr/>
+        <p:spPr>
+          <a:xfrm>
+            <a:off x="2182708" y="6272784"/>
+            <a:ext cx="6327648" cy="365125"/>
+          </a:xfrm>
+        </p:spPr>
         <p:txBody>
           <a:bodyPr/>
           <a:lstStyle/>
@@ -1029,9 +1600,93 @@
           </a:p>
         </p:txBody>
       </p:sp>
-      <p:sp>
-        <p:nvSpPr>
-          <p:cNvPr id="6" name="Espace réservé du numéro de diapositive 5"/>
+      <p:grpSp>
+        <p:nvGrpSpPr>
+          <p:cNvPr id="8" name="Group 7"/>
+          <p:cNvGrpSpPr/>
+          <p:nvPr/>
+        </p:nvGrpSpPr>
+        <p:grpSpPr>
+          <a:xfrm>
+            <a:off x="897399" y="2325848"/>
+            <a:ext cx="1080904" cy="1080902"/>
+            <a:chOff x="9685338" y="4460675"/>
+            <a:chExt cx="1080904" cy="1080902"/>
+          </a:xfrm>
+        </p:grpSpPr>
+        <p:sp>
+          <p:nvSpPr>
+            <p:cNvPr id="9" name="Oval 8"/>
+            <p:cNvSpPr/>
+            <p:nvPr/>
+          </p:nvSpPr>
+          <p:spPr>
+            <a:xfrm>
+              <a:off x="9685338" y="4460675"/>
+              <a:ext cx="1080904" cy="1080902"/>
+            </a:xfrm>
+            <a:prstGeom prst="ellipse">
+              <a:avLst/>
+            </a:prstGeom>
+            <a:blipFill dpi="0" rotWithShape="1">
+              <a:blip r:embed="rId4">
+                <a:duotone>
+                  <a:schemeClr val="accent1">
+                    <a:shade val="45000"/>
+                    <a:satMod val="135000"/>
+                  </a:schemeClr>
+                  <a:prstClr val="white"/>
+                </a:duotone>
+                <a:extLst>
+                  <a:ext uri="{BEBA8EAE-BF5A-486C-A8C5-ECC9F3942E4B}">
+                    <a14:imgProps xmlns:a14="http://schemas.microsoft.com/office/drawing/2010/main">
+                      <a14:imgLayer r:embed="rId5">
+                        <a14:imgEffect>
+                          <a14:saturation sat="95000"/>
+                        </a14:imgEffect>
+                      </a14:imgLayer>
+                    </a14:imgProps>
+                  </a:ext>
+                </a:extLst>
+              </a:blip>
+              <a:srcRect/>
+              <a:tile tx="0" ty="0" sx="85000" sy="85000" flip="none" algn="tl"/>
+            </a:blipFill>
+            <a:ln w="25400" cap="flat" cmpd="sng" algn="ctr">
+              <a:noFill/>
+              <a:prstDash val="solid"/>
+            </a:ln>
+            <a:effectLst/>
+          </p:spPr>
+        </p:sp>
+        <p:sp>
+          <p:nvSpPr>
+            <p:cNvPr id="10" name="Oval 9"/>
+            <p:cNvSpPr/>
+            <p:nvPr/>
+          </p:nvSpPr>
+          <p:spPr>
+            <a:xfrm>
+              <a:off x="9793429" y="4568765"/>
+              <a:ext cx="864723" cy="864722"/>
+            </a:xfrm>
+            <a:prstGeom prst="ellipse">
+              <a:avLst/>
+            </a:prstGeom>
+            <a:noFill/>
+            <a:ln w="25400" cap="flat" cmpd="sng" algn="ctr">
+              <a:solidFill>
+                <a:sysClr val="window" lastClr="FFFFFF"/>
+              </a:solidFill>
+              <a:prstDash val="solid"/>
+            </a:ln>
+            <a:effectLst/>
+          </p:spPr>
+        </p:sp>
+      </p:grpSp>
+      <p:sp>
+        <p:nvSpPr>
+          <p:cNvPr id="6" name="Slide Number Placeholder 5"/>
           <p:cNvSpPr>
             <a:spLocks noGrp="1"/>
           </p:cNvSpPr>
@@ -1039,10 +1694,19 @@
             <p:ph type="sldNum" sz="quarter" idx="12"/>
           </p:nvPr>
         </p:nvSpPr>
-        <p:spPr/>
-        <p:txBody>
-          <a:bodyPr/>
-          <a:lstStyle/>
+        <p:spPr>
+          <a:xfrm>
+            <a:off x="843702" y="2506133"/>
+            <a:ext cx="1188298" cy="720332"/>
+          </a:xfrm>
+        </p:spPr>
+        <p:txBody>
+          <a:bodyPr/>
+          <a:lstStyle>
+            <a:lvl1pPr>
+              <a:defRPr sz="2800"/>
+            </a:lvl1pPr>
+          </a:lstStyle>
           <a:p>
             <a:fld id="{AED36D2E-B405-4FD9-87A6-655A72359796}" type="slidenum">
               <a:rPr lang="fr-FR" smtClean="0"/>
@@ -1055,7 +1719,7 @@
     </p:spTree>
     <p:extLst>
       <p:ext uri="{BB962C8B-B14F-4D97-AF65-F5344CB8AC3E}">
-        <p14:creationId xmlns:p14="http://schemas.microsoft.com/office/powerpoint/2010/main" val="3418659269"/>
+        <p14:creationId xmlns:p14="http://schemas.microsoft.com/office/powerpoint/2010/main" val="17310681"/>
       </p:ext>
     </p:extLst>
   </p:cSld>
@@ -1084,7 +1748,7 @@
       </p:grpSpPr>
       <p:sp>
         <p:nvSpPr>
-          <p:cNvPr id="2" name="Titre 1"/>
+          <p:cNvPr id="2" name="Title 1"/>
           <p:cNvSpPr>
             <a:spLocks noGrp="1"/>
           </p:cNvSpPr>
@@ -1101,13 +1765,13 @@
               <a:rPr lang="fr-FR"/>
               <a:t>Modifiez le style du titre</a:t>
             </a:r>
-            <a:endParaRPr lang="fr-FR"/>
-          </a:p>
-        </p:txBody>
-      </p:sp>
-      <p:sp>
-        <p:nvSpPr>
-          <p:cNvPr id="3" name="Espace réservé du contenu 2"/>
+            <a:endParaRPr lang="en-US" dirty="0"/>
+          </a:p>
+        </p:txBody>
+      </p:sp>
+      <p:sp>
+        <p:nvSpPr>
+          <p:cNvPr id="3" name="Content Placeholder 2"/>
           <p:cNvSpPr>
             <a:spLocks noGrp="1"/>
           </p:cNvSpPr>
@@ -1117,13 +1781,41 @@
         </p:nvSpPr>
         <p:spPr>
           <a:xfrm>
-            <a:off x="838200" y="1825625"/>
-            <a:ext cx="5181600" cy="4351338"/>
+            <a:off x="1069848" y="2194560"/>
+            <a:ext cx="4754880" cy="3977640"/>
           </a:xfrm>
         </p:spPr>
         <p:txBody>
           <a:bodyPr/>
-          <a:lstStyle/>
+          <a:lstStyle>
+            <a:lvl1pPr>
+              <a:defRPr sz="2000"/>
+            </a:lvl1pPr>
+            <a:lvl2pPr>
+              <a:defRPr sz="1800"/>
+            </a:lvl2pPr>
+            <a:lvl3pPr>
+              <a:defRPr sz="1600"/>
+            </a:lvl3pPr>
+            <a:lvl4pPr>
+              <a:defRPr sz="1600"/>
+            </a:lvl4pPr>
+            <a:lvl5pPr>
+              <a:defRPr sz="1600"/>
+            </a:lvl5pPr>
+            <a:lvl6pPr>
+              <a:defRPr sz="1600"/>
+            </a:lvl6pPr>
+            <a:lvl7pPr>
+              <a:defRPr sz="1600"/>
+            </a:lvl7pPr>
+            <a:lvl8pPr>
+              <a:defRPr sz="1600"/>
+            </a:lvl8pPr>
+            <a:lvl9pPr>
+              <a:defRPr sz="1600"/>
+            </a:lvl9pPr>
+          </a:lstStyle>
           <a:p>
             <a:pPr lvl="0"/>
             <a:r>
@@ -1158,13 +1850,13 @@
               <a:rPr lang="fr-FR"/>
               <a:t>Cinquième niveau</a:t>
             </a:r>
-            <a:endParaRPr lang="fr-FR"/>
-          </a:p>
-        </p:txBody>
-      </p:sp>
-      <p:sp>
-        <p:nvSpPr>
-          <p:cNvPr id="4" name="Espace réservé du contenu 3"/>
+            <a:endParaRPr lang="en-US" dirty="0"/>
+          </a:p>
+        </p:txBody>
+      </p:sp>
+      <p:sp>
+        <p:nvSpPr>
+          <p:cNvPr id="4" name="Content Placeholder 3"/>
           <p:cNvSpPr>
             <a:spLocks noGrp="1"/>
           </p:cNvSpPr>
@@ -1174,13 +1866,41 @@
         </p:nvSpPr>
         <p:spPr>
           <a:xfrm>
-            <a:off x="6172200" y="1825625"/>
-            <a:ext cx="5181600" cy="4351338"/>
+            <a:off x="6364224" y="2194560"/>
+            <a:ext cx="4754880" cy="3977640"/>
           </a:xfrm>
         </p:spPr>
         <p:txBody>
           <a:bodyPr/>
-          <a:lstStyle/>
+          <a:lstStyle>
+            <a:lvl1pPr>
+              <a:defRPr sz="2000"/>
+            </a:lvl1pPr>
+            <a:lvl2pPr>
+              <a:defRPr sz="1800"/>
+            </a:lvl2pPr>
+            <a:lvl3pPr>
+              <a:defRPr sz="1600"/>
+            </a:lvl3pPr>
+            <a:lvl4pPr>
+              <a:defRPr sz="1600"/>
+            </a:lvl4pPr>
+            <a:lvl5pPr>
+              <a:defRPr sz="1600"/>
+            </a:lvl5pPr>
+            <a:lvl6pPr>
+              <a:defRPr sz="1600"/>
+            </a:lvl6pPr>
+            <a:lvl7pPr>
+              <a:defRPr sz="1600"/>
+            </a:lvl7pPr>
+            <a:lvl8pPr>
+              <a:defRPr sz="1600"/>
+            </a:lvl8pPr>
+            <a:lvl9pPr>
+              <a:defRPr sz="1600"/>
+            </a:lvl9pPr>
+          </a:lstStyle>
           <a:p>
             <a:pPr lvl="0"/>
             <a:r>
@@ -1215,13 +1935,13 @@
               <a:rPr lang="fr-FR"/>
               <a:t>Cinquième niveau</a:t>
             </a:r>
-            <a:endParaRPr lang="fr-FR"/>
-          </a:p>
-        </p:txBody>
-      </p:sp>
-      <p:sp>
-        <p:nvSpPr>
-          <p:cNvPr id="5" name="Espace réservé de la date 4"/>
+            <a:endParaRPr lang="en-US" dirty="0"/>
+          </a:p>
+        </p:txBody>
+      </p:sp>
+      <p:sp>
+        <p:nvSpPr>
+          <p:cNvPr id="5" name="Date Placeholder 4"/>
           <p:cNvSpPr>
             <a:spLocks noGrp="1"/>
           </p:cNvSpPr>
@@ -1236,7 +1956,7 @@
           <a:p>
             <a:fld id="{B08E338C-DB01-4BFB-B7AC-5AE95E437AFB}" type="datetimeFigureOut">
               <a:rPr lang="fr-FR" smtClean="0"/>
-              <a:t>19/02/2017</a:t>
+              <a:t>28/02/2017</a:t>
             </a:fld>
             <a:endParaRPr lang="fr-FR"/>
           </a:p>
@@ -1244,7 +1964,7 @@
       </p:sp>
       <p:sp>
         <p:nvSpPr>
-          <p:cNvPr id="6" name="Espace réservé du pied de page 5"/>
+          <p:cNvPr id="6" name="Footer Placeholder 5"/>
           <p:cNvSpPr>
             <a:spLocks noGrp="1"/>
           </p:cNvSpPr>
@@ -1263,7 +1983,7 @@
       </p:sp>
       <p:sp>
         <p:nvSpPr>
-          <p:cNvPr id="7" name="Espace réservé du numéro de diapositive 6"/>
+          <p:cNvPr id="7" name="Slide Number Placeholder 6"/>
           <p:cNvSpPr>
             <a:spLocks noGrp="1"/>
           </p:cNvSpPr>
@@ -1287,7 +2007,7 @@
     </p:spTree>
     <p:extLst>
       <p:ext uri="{BB962C8B-B14F-4D97-AF65-F5344CB8AC3E}">
-        <p14:creationId xmlns:p14="http://schemas.microsoft.com/office/powerpoint/2010/main" val="3068072948"/>
+        <p14:creationId xmlns:p14="http://schemas.microsoft.com/office/powerpoint/2010/main" val="2666504025"/>
       </p:ext>
     </p:extLst>
   </p:cSld>
@@ -1316,54 +2036,57 @@
       </p:grpSpPr>
       <p:sp>
         <p:nvSpPr>
-          <p:cNvPr id="2" name="Titre 1"/>
+          <p:cNvPr id="10" name="Title 9"/>
           <p:cNvSpPr>
             <a:spLocks noGrp="1"/>
           </p:cNvSpPr>
           <p:nvPr>
             <p:ph type="title"/>
+          </p:nvPr>
+        </p:nvSpPr>
+        <p:spPr/>
+        <p:txBody>
+          <a:bodyPr/>
+          <a:lstStyle/>
+          <a:p>
+            <a:r>
+              <a:rPr lang="fr-FR"/>
+              <a:t>Modifiez le style du titre</a:t>
+            </a:r>
+            <a:endParaRPr lang="en-US" dirty="0"/>
+          </a:p>
+        </p:txBody>
+      </p:sp>
+      <p:sp>
+        <p:nvSpPr>
+          <p:cNvPr id="3" name="Text Placeholder 2"/>
+          <p:cNvSpPr>
+            <a:spLocks noGrp="1"/>
+          </p:cNvSpPr>
+          <p:nvPr>
+            <p:ph type="body" idx="1"/>
           </p:nvPr>
         </p:nvSpPr>
         <p:spPr>
           <a:xfrm>
-            <a:off x="839788" y="365125"/>
-            <a:ext cx="10515600" cy="1325563"/>
+            <a:off x="1066800" y="2048256"/>
+            <a:ext cx="4754880" cy="640080"/>
           </a:xfrm>
         </p:spPr>
         <p:txBody>
-          <a:bodyPr/>
-          <a:lstStyle/>
-          <a:p>
-            <a:r>
-              <a:rPr lang="fr-FR"/>
-              <a:t>Modifiez le style du titre</a:t>
-            </a:r>
-            <a:endParaRPr lang="fr-FR"/>
-          </a:p>
-        </p:txBody>
-      </p:sp>
-      <p:sp>
-        <p:nvSpPr>
-          <p:cNvPr id="3" name="Espace réservé du texte 2"/>
-          <p:cNvSpPr>
-            <a:spLocks noGrp="1"/>
-          </p:cNvSpPr>
-          <p:nvPr>
-            <p:ph type="body" idx="1"/>
-          </p:nvPr>
-        </p:nvSpPr>
-        <p:spPr>
-          <a:xfrm>
-            <a:off x="839788" y="1681163"/>
-            <a:ext cx="5157787" cy="823912"/>
-          </a:xfrm>
-        </p:spPr>
-        <p:txBody>
-          <a:bodyPr anchor="b"/>
+          <a:bodyPr anchor="ctr">
+            <a:normAutofit/>
+          </a:bodyPr>
           <a:lstStyle>
             <a:lvl1pPr marL="0" indent="0">
               <a:buNone/>
-              <a:defRPr sz="2400" b="1"/>
+              <a:defRPr sz="2000" b="1">
+                <a:solidFill>
+                  <a:schemeClr val="accent1">
+                    <a:lumMod val="75000"/>
+                  </a:schemeClr>
+                </a:solidFill>
+              </a:defRPr>
             </a:lvl1pPr>
             <a:lvl2pPr marL="457200" indent="0">
               <a:buNone/>
@@ -1409,7 +2132,7 @@
       </p:sp>
       <p:sp>
         <p:nvSpPr>
-          <p:cNvPr id="4" name="Espace réservé du contenu 3"/>
+          <p:cNvPr id="4" name="Content Placeholder 3"/>
           <p:cNvSpPr>
             <a:spLocks noGrp="1"/>
           </p:cNvSpPr>
@@ -1419,13 +2142,41 @@
         </p:nvSpPr>
         <p:spPr>
           <a:xfrm>
-            <a:off x="839788" y="2505075"/>
-            <a:ext cx="5157787" cy="3684588"/>
+            <a:off x="1069848" y="2743200"/>
+            <a:ext cx="4754880" cy="3291840"/>
           </a:xfrm>
         </p:spPr>
         <p:txBody>
           <a:bodyPr/>
-          <a:lstStyle/>
+          <a:lstStyle>
+            <a:lvl1pPr>
+              <a:defRPr sz="2000"/>
+            </a:lvl1pPr>
+            <a:lvl2pPr>
+              <a:defRPr sz="1800"/>
+            </a:lvl2pPr>
+            <a:lvl3pPr>
+              <a:defRPr sz="1600"/>
+            </a:lvl3pPr>
+            <a:lvl4pPr>
+              <a:defRPr sz="1600"/>
+            </a:lvl4pPr>
+            <a:lvl5pPr>
+              <a:defRPr sz="1600"/>
+            </a:lvl5pPr>
+            <a:lvl6pPr>
+              <a:defRPr sz="1600"/>
+            </a:lvl6pPr>
+            <a:lvl7pPr>
+              <a:defRPr sz="1600"/>
+            </a:lvl7pPr>
+            <a:lvl8pPr>
+              <a:defRPr sz="1600"/>
+            </a:lvl8pPr>
+            <a:lvl9pPr>
+              <a:defRPr sz="1600"/>
+            </a:lvl9pPr>
+          </a:lstStyle>
           <a:p>
             <a:pPr lvl="0"/>
             <a:r>
@@ -1460,13 +2211,13 @@
               <a:rPr lang="fr-FR"/>
               <a:t>Cinquième niveau</a:t>
             </a:r>
-            <a:endParaRPr lang="fr-FR"/>
-          </a:p>
-        </p:txBody>
-      </p:sp>
-      <p:sp>
-        <p:nvSpPr>
-          <p:cNvPr id="5" name="Espace réservé du texte 4"/>
+            <a:endParaRPr lang="en-US" dirty="0"/>
+          </a:p>
+        </p:txBody>
+      </p:sp>
+      <p:sp>
+        <p:nvSpPr>
+          <p:cNvPr id="5" name="Text Placeholder 4"/>
           <p:cNvSpPr>
             <a:spLocks noGrp="1"/>
           </p:cNvSpPr>
@@ -1476,16 +2227,24 @@
         </p:nvSpPr>
         <p:spPr>
           <a:xfrm>
-            <a:off x="6172200" y="1681163"/>
-            <a:ext cx="5183188" cy="823912"/>
+            <a:off x="6364224" y="2048256"/>
+            <a:ext cx="4754880" cy="640080"/>
           </a:xfrm>
         </p:spPr>
         <p:txBody>
-          <a:bodyPr anchor="b"/>
+          <a:bodyPr anchor="ctr">
+            <a:normAutofit/>
+          </a:bodyPr>
           <a:lstStyle>
             <a:lvl1pPr marL="0" indent="0">
               <a:buNone/>
-              <a:defRPr sz="2400" b="1"/>
+              <a:defRPr sz="2000" b="1">
+                <a:solidFill>
+                  <a:schemeClr val="accent1">
+                    <a:lumMod val="75000"/>
+                  </a:schemeClr>
+                </a:solidFill>
+              </a:defRPr>
             </a:lvl1pPr>
             <a:lvl2pPr marL="457200" indent="0">
               <a:buNone/>
@@ -1531,7 +2290,7 @@
       </p:sp>
       <p:sp>
         <p:nvSpPr>
-          <p:cNvPr id="6" name="Espace réservé du contenu 5"/>
+          <p:cNvPr id="6" name="Content Placeholder 5"/>
           <p:cNvSpPr>
             <a:spLocks noGrp="1"/>
           </p:cNvSpPr>
@@ -1541,13 +2300,41 @@
         </p:nvSpPr>
         <p:spPr>
           <a:xfrm>
-            <a:off x="6172200" y="2505075"/>
-            <a:ext cx="5183188" cy="3684588"/>
+            <a:off x="6364224" y="2743200"/>
+            <a:ext cx="4754880" cy="3291840"/>
           </a:xfrm>
         </p:spPr>
         <p:txBody>
           <a:bodyPr/>
-          <a:lstStyle/>
+          <a:lstStyle>
+            <a:lvl1pPr>
+              <a:defRPr sz="2000"/>
+            </a:lvl1pPr>
+            <a:lvl2pPr>
+              <a:defRPr sz="1800"/>
+            </a:lvl2pPr>
+            <a:lvl3pPr>
+              <a:defRPr sz="1600"/>
+            </a:lvl3pPr>
+            <a:lvl4pPr>
+              <a:defRPr sz="1600"/>
+            </a:lvl4pPr>
+            <a:lvl5pPr>
+              <a:defRPr sz="1600"/>
+            </a:lvl5pPr>
+            <a:lvl6pPr>
+              <a:defRPr sz="1600"/>
+            </a:lvl6pPr>
+            <a:lvl7pPr>
+              <a:defRPr sz="1600"/>
+            </a:lvl7pPr>
+            <a:lvl8pPr>
+              <a:defRPr sz="1600"/>
+            </a:lvl8pPr>
+            <a:lvl9pPr>
+              <a:defRPr sz="1600"/>
+            </a:lvl9pPr>
+          </a:lstStyle>
           <a:p>
             <a:pPr lvl="0"/>
             <a:r>
@@ -1582,13 +2369,13 @@
               <a:rPr lang="fr-FR"/>
               <a:t>Cinquième niveau</a:t>
             </a:r>
-            <a:endParaRPr lang="fr-FR"/>
-          </a:p>
-        </p:txBody>
-      </p:sp>
-      <p:sp>
-        <p:nvSpPr>
-          <p:cNvPr id="7" name="Espace réservé de la date 6"/>
+            <a:endParaRPr lang="en-US" dirty="0"/>
+          </a:p>
+        </p:txBody>
+      </p:sp>
+      <p:sp>
+        <p:nvSpPr>
+          <p:cNvPr id="7" name="Date Placeholder 6"/>
           <p:cNvSpPr>
             <a:spLocks noGrp="1"/>
           </p:cNvSpPr>
@@ -1603,7 +2390,7 @@
           <a:p>
             <a:fld id="{B08E338C-DB01-4BFB-B7AC-5AE95E437AFB}" type="datetimeFigureOut">
               <a:rPr lang="fr-FR" smtClean="0"/>
-              <a:t>19/02/2017</a:t>
+              <a:t>28/02/2017</a:t>
             </a:fld>
             <a:endParaRPr lang="fr-FR"/>
           </a:p>
@@ -1611,7 +2398,7 @@
       </p:sp>
       <p:sp>
         <p:nvSpPr>
-          <p:cNvPr id="8" name="Espace réservé du pied de page 7"/>
+          <p:cNvPr id="8" name="Footer Placeholder 7"/>
           <p:cNvSpPr>
             <a:spLocks noGrp="1"/>
           </p:cNvSpPr>
@@ -1630,7 +2417,7 @@
       </p:sp>
       <p:sp>
         <p:nvSpPr>
-          <p:cNvPr id="9" name="Espace réservé du numéro de diapositive 8"/>
+          <p:cNvPr id="9" name="Slide Number Placeholder 8"/>
           <p:cNvSpPr>
             <a:spLocks noGrp="1"/>
           </p:cNvSpPr>
@@ -1654,7 +2441,7 @@
     </p:spTree>
     <p:extLst>
       <p:ext uri="{BB962C8B-B14F-4D97-AF65-F5344CB8AC3E}">
-        <p14:creationId xmlns:p14="http://schemas.microsoft.com/office/powerpoint/2010/main" val="4130124432"/>
+        <p14:creationId xmlns:p14="http://schemas.microsoft.com/office/powerpoint/2010/main" val="3873421226"/>
       </p:ext>
     </p:extLst>
   </p:cSld>
@@ -1683,7 +2470,7 @@
       </p:grpSpPr>
       <p:sp>
         <p:nvSpPr>
-          <p:cNvPr id="2" name="Titre 1"/>
+          <p:cNvPr id="6" name="Title 5"/>
           <p:cNvSpPr>
             <a:spLocks noGrp="1"/>
           </p:cNvSpPr>
@@ -1700,13 +2487,13 @@
               <a:rPr lang="fr-FR"/>
               <a:t>Modifiez le style du titre</a:t>
             </a:r>
-            <a:endParaRPr lang="fr-FR"/>
-          </a:p>
-        </p:txBody>
-      </p:sp>
-      <p:sp>
-        <p:nvSpPr>
-          <p:cNvPr id="3" name="Espace réservé de la date 2"/>
+            <a:endParaRPr lang="en-US" dirty="0"/>
+          </a:p>
+        </p:txBody>
+      </p:sp>
+      <p:sp>
+        <p:nvSpPr>
+          <p:cNvPr id="3" name="Date Placeholder 2"/>
           <p:cNvSpPr>
             <a:spLocks noGrp="1"/>
           </p:cNvSpPr>
@@ -1721,7 +2508,7 @@
           <a:p>
             <a:fld id="{B08E338C-DB01-4BFB-B7AC-5AE95E437AFB}" type="datetimeFigureOut">
               <a:rPr lang="fr-FR" smtClean="0"/>
-              <a:t>19/02/2017</a:t>
+              <a:t>28/02/2017</a:t>
             </a:fld>
             <a:endParaRPr lang="fr-FR"/>
           </a:p>
@@ -1729,7 +2516,7 @@
       </p:sp>
       <p:sp>
         <p:nvSpPr>
-          <p:cNvPr id="4" name="Espace réservé du pied de page 3"/>
+          <p:cNvPr id="4" name="Footer Placeholder 3"/>
           <p:cNvSpPr>
             <a:spLocks noGrp="1"/>
           </p:cNvSpPr>
@@ -1748,7 +2535,7 @@
       </p:sp>
       <p:sp>
         <p:nvSpPr>
-          <p:cNvPr id="5" name="Espace réservé du numéro de diapositive 4"/>
+          <p:cNvPr id="5" name="Slide Number Placeholder 4"/>
           <p:cNvSpPr>
             <a:spLocks noGrp="1"/>
           </p:cNvSpPr>
@@ -1772,7 +2559,7 @@
     </p:spTree>
     <p:extLst>
       <p:ext uri="{BB962C8B-B14F-4D97-AF65-F5344CB8AC3E}">
-        <p14:creationId xmlns:p14="http://schemas.microsoft.com/office/powerpoint/2010/main" val="813946020"/>
+        <p14:creationId xmlns:p14="http://schemas.microsoft.com/office/powerpoint/2010/main" val="4261800244"/>
       </p:ext>
     </p:extLst>
   </p:cSld>
@@ -1801,7 +2588,7 @@
       </p:grpSpPr>
       <p:sp>
         <p:nvSpPr>
-          <p:cNvPr id="2" name="Espace réservé de la date 1"/>
+          <p:cNvPr id="2" name="Date Placeholder 1"/>
           <p:cNvSpPr>
             <a:spLocks noGrp="1"/>
           </p:cNvSpPr>
@@ -1816,7 +2603,7 @@
           <a:p>
             <a:fld id="{B08E338C-DB01-4BFB-B7AC-5AE95E437AFB}" type="datetimeFigureOut">
               <a:rPr lang="fr-FR" smtClean="0"/>
-              <a:t>19/02/2017</a:t>
+              <a:t>28/02/2017</a:t>
             </a:fld>
             <a:endParaRPr lang="fr-FR"/>
           </a:p>
@@ -1824,7 +2611,7 @@
       </p:sp>
       <p:sp>
         <p:nvSpPr>
-          <p:cNvPr id="3" name="Espace réservé du pied de page 2"/>
+          <p:cNvPr id="3" name="Footer Placeholder 2"/>
           <p:cNvSpPr>
             <a:spLocks noGrp="1"/>
           </p:cNvSpPr>
@@ -1843,7 +2630,7 @@
       </p:sp>
       <p:sp>
         <p:nvSpPr>
-          <p:cNvPr id="4" name="Espace réservé du numéro de diapositive 3"/>
+          <p:cNvPr id="4" name="Slide Number Placeholder 3"/>
           <p:cNvSpPr>
             <a:spLocks noGrp="1"/>
           </p:cNvSpPr>
@@ -1867,7 +2654,7 @@
     </p:spTree>
     <p:extLst>
       <p:ext uri="{BB962C8B-B14F-4D97-AF65-F5344CB8AC3E}">
-        <p14:creationId xmlns:p14="http://schemas.microsoft.com/office/powerpoint/2010/main" val="35660393"/>
+        <p14:creationId xmlns:p14="http://schemas.microsoft.com/office/powerpoint/2010/main" val="1180421777"/>
       </p:ext>
     </p:extLst>
   </p:cSld>
@@ -1878,7 +2665,7 @@
 </file>
 
 <file path=ppt/slideLayouts/slideLayout8.xml><?xml version="1.0" encoding="utf-8"?>
-<p:sldLayout xmlns:a="http://schemas.openxmlformats.org/drawingml/2006/main" xmlns:r="http://schemas.openxmlformats.org/officeDocument/2006/relationships" xmlns:p="http://schemas.openxmlformats.org/presentationml/2006/main" type="objTx" preserve="1">
+<p:sldLayout xmlns:a="http://schemas.openxmlformats.org/drawingml/2006/main" xmlns:r="http://schemas.openxmlformats.org/officeDocument/2006/relationships" xmlns:p="http://schemas.openxmlformats.org/presentationml/2006/main" showMasterSp="0" type="objTx" preserve="1">
   <p:cSld name="Contenu avec légende">
     <p:spTree>
       <p:nvGrpSpPr>
@@ -1896,25 +2683,84 @@
       </p:grpSpPr>
       <p:sp>
         <p:nvSpPr>
-          <p:cNvPr id="2" name="Titre 1"/>
-          <p:cNvSpPr>
-            <a:spLocks noGrp="1"/>
-          </p:cNvSpPr>
-          <p:nvPr>
-            <p:ph type="title"/>
-          </p:nvPr>
+          <p:cNvPr id="8" name="Rectangle 7"/>
+          <p:cNvSpPr/>
+          <p:nvPr/>
         </p:nvSpPr>
         <p:spPr>
           <a:xfrm>
-            <a:off x="839788" y="457200"/>
-            <a:ext cx="3932237" cy="1600200"/>
+            <a:off x="8303740" y="0"/>
+            <a:ext cx="3888259" cy="6857999"/>
+          </a:xfrm>
+          <a:prstGeom prst="rect">
+            <a:avLst/>
+          </a:prstGeom>
+          <a:blipFill dpi="0" rotWithShape="1">
+            <a:blip r:embed="rId2">
+              <a:alphaModFix amt="60000"/>
+              <a:lum bright="70000" contrast="-70000"/>
+              <a:extLst>
+                <a:ext uri="{BEBA8EAE-BF5A-486C-A8C5-ECC9F3942E4B}">
+                  <a14:imgProps xmlns:a14="http://schemas.microsoft.com/office/drawing/2010/main">
+                    <a14:imgLayer r:embed="rId3">
+                      <a14:imgEffect>
+                        <a14:sharpenSoften amount="61000"/>
+                      </a14:imgEffect>
+                    </a14:imgLayer>
+                  </a14:imgProps>
+                </a:ext>
+                <a:ext uri="{28A0092B-C50C-407E-A947-70E740481C1C}">
+                  <a14:useLocalDpi xmlns:a14="http://schemas.microsoft.com/office/drawing/2010/main" val="0"/>
+                </a:ext>
+              </a:extLst>
+            </a:blip>
+            <a:srcRect/>
+            <a:tile tx="0" ty="-704850" sx="92000" sy="89000" flip="xy" algn="ctr"/>
+          </a:blipFill>
+          <a:ln>
+            <a:noFill/>
+          </a:ln>
+        </p:spPr>
+        <p:style>
+          <a:lnRef idx="2">
+            <a:schemeClr val="accent1">
+              <a:shade val="50000"/>
+            </a:schemeClr>
+          </a:lnRef>
+          <a:fillRef idx="1">
+            <a:schemeClr val="accent1"/>
+          </a:fillRef>
+          <a:effectRef idx="0">
+            <a:schemeClr val="accent1"/>
+          </a:effectRef>
+          <a:fontRef idx="minor">
+            <a:schemeClr val="lt1"/>
+          </a:fontRef>
+        </p:style>
+      </p:sp>
+      <p:sp>
+        <p:nvSpPr>
+          <p:cNvPr id="2" name="Title 1"/>
+          <p:cNvSpPr>
+            <a:spLocks noGrp="1"/>
+          </p:cNvSpPr>
+          <p:nvPr>
+            <p:ph type="title"/>
+          </p:nvPr>
+        </p:nvSpPr>
+        <p:spPr>
+          <a:xfrm>
+            <a:off x="8549640" y="685800"/>
+            <a:ext cx="3200400" cy="1737360"/>
           </a:xfrm>
         </p:spPr>
         <p:txBody>
-          <a:bodyPr anchor="b"/>
+          <a:bodyPr anchor="b">
+            <a:normAutofit/>
+          </a:bodyPr>
           <a:lstStyle>
             <a:lvl1pPr>
-              <a:defRPr sz="3200"/>
+              <a:defRPr sz="3200" b="1"/>
             </a:lvl1pPr>
           </a:lstStyle>
           <a:p>
@@ -1922,13 +2768,13 @@
               <a:rPr lang="fr-FR"/>
               <a:t>Modifiez le style du titre</a:t>
             </a:r>
-            <a:endParaRPr lang="fr-FR"/>
-          </a:p>
-        </p:txBody>
-      </p:sp>
-      <p:sp>
-        <p:nvSpPr>
-          <p:cNvPr id="3" name="Espace réservé du contenu 2"/>
+            <a:endParaRPr lang="en-US" dirty="0"/>
+          </a:p>
+        </p:txBody>
+      </p:sp>
+      <p:sp>
+        <p:nvSpPr>
+          <p:cNvPr id="3" name="Content Placeholder 2"/>
           <p:cNvSpPr>
             <a:spLocks noGrp="1"/>
           </p:cNvSpPr>
@@ -1938,39 +2784,39 @@
         </p:nvSpPr>
         <p:spPr>
           <a:xfrm>
-            <a:off x="5183188" y="987425"/>
-            <a:ext cx="6172200" cy="4873625"/>
+            <a:off x="838200" y="685800"/>
+            <a:ext cx="6711696" cy="5020056"/>
           </a:xfrm>
         </p:spPr>
         <p:txBody>
           <a:bodyPr/>
           <a:lstStyle>
             <a:lvl1pPr>
-              <a:defRPr sz="3200"/>
+              <a:defRPr sz="2000"/>
             </a:lvl1pPr>
             <a:lvl2pPr>
-              <a:defRPr sz="2800"/>
+              <a:defRPr sz="1800"/>
             </a:lvl2pPr>
             <a:lvl3pPr>
-              <a:defRPr sz="2400"/>
+              <a:defRPr sz="1600"/>
             </a:lvl3pPr>
             <a:lvl4pPr>
-              <a:defRPr sz="2000"/>
+              <a:defRPr sz="1600"/>
             </a:lvl4pPr>
             <a:lvl5pPr>
-              <a:defRPr sz="2000"/>
+              <a:defRPr sz="1600"/>
             </a:lvl5pPr>
             <a:lvl6pPr>
-              <a:defRPr sz="2000"/>
+              <a:defRPr sz="1600"/>
             </a:lvl6pPr>
             <a:lvl7pPr>
-              <a:defRPr sz="2000"/>
+              <a:defRPr sz="1600"/>
             </a:lvl7pPr>
             <a:lvl8pPr>
-              <a:defRPr sz="2000"/>
+              <a:defRPr sz="1600"/>
             </a:lvl8pPr>
             <a:lvl9pPr>
-              <a:defRPr sz="2000"/>
+              <a:defRPr sz="1600"/>
             </a:lvl9pPr>
           </a:lstStyle>
           <a:p>
@@ -2007,13 +2853,13 @@
               <a:rPr lang="fr-FR"/>
               <a:t>Cinquième niveau</a:t>
             </a:r>
-            <a:endParaRPr lang="fr-FR"/>
-          </a:p>
-        </p:txBody>
-      </p:sp>
-      <p:sp>
-        <p:nvSpPr>
-          <p:cNvPr id="4" name="Espace réservé du texte 3"/>
+            <a:endParaRPr lang="en-US" dirty="0"/>
+          </a:p>
+        </p:txBody>
+      </p:sp>
+      <p:sp>
+        <p:nvSpPr>
+          <p:cNvPr id="4" name="Text Placeholder 3"/>
           <p:cNvSpPr>
             <a:spLocks noGrp="1"/>
           </p:cNvSpPr>
@@ -2023,48 +2869,62 @@
         </p:nvSpPr>
         <p:spPr>
           <a:xfrm>
-            <a:off x="839788" y="2057400"/>
-            <a:ext cx="3932237" cy="3811588"/>
+            <a:off x="8549640" y="2423160"/>
+            <a:ext cx="3200400" cy="3291840"/>
           </a:xfrm>
         </p:spPr>
         <p:txBody>
-          <a:bodyPr/>
+          <a:bodyPr>
+            <a:normAutofit/>
+          </a:bodyPr>
           <a:lstStyle>
             <a:lvl1pPr marL="0" indent="0">
-              <a:buNone/>
-              <a:defRPr sz="1600"/>
+              <a:lnSpc>
+                <a:spcPct val="100000"/>
+              </a:lnSpc>
+              <a:spcBef>
+                <a:spcPts val="1000"/>
+              </a:spcBef>
+              <a:buNone/>
+              <a:defRPr sz="1400">
+                <a:solidFill>
+                  <a:schemeClr val="accent1">
+                    <a:lumMod val="75000"/>
+                  </a:schemeClr>
+                </a:solidFill>
+              </a:defRPr>
             </a:lvl1pPr>
             <a:lvl2pPr marL="457200" indent="0">
               <a:buNone/>
-              <a:defRPr sz="1400"/>
+              <a:defRPr sz="1200"/>
             </a:lvl2pPr>
             <a:lvl3pPr marL="914400" indent="0">
               <a:buNone/>
-              <a:defRPr sz="1200"/>
+              <a:defRPr sz="1000"/>
             </a:lvl3pPr>
             <a:lvl4pPr marL="1371600" indent="0">
               <a:buNone/>
-              <a:defRPr sz="1000"/>
+              <a:defRPr sz="900"/>
             </a:lvl4pPr>
             <a:lvl5pPr marL="1828800" indent="0">
               <a:buNone/>
-              <a:defRPr sz="1000"/>
+              <a:defRPr sz="900"/>
             </a:lvl5pPr>
             <a:lvl6pPr marL="2286000" indent="0">
               <a:buNone/>
-              <a:defRPr sz="1000"/>
+              <a:defRPr sz="900"/>
             </a:lvl6pPr>
             <a:lvl7pPr marL="2743200" indent="0">
               <a:buNone/>
-              <a:defRPr sz="1000"/>
+              <a:defRPr sz="900"/>
             </a:lvl7pPr>
             <a:lvl8pPr marL="3200400" indent="0">
               <a:buNone/>
-              <a:defRPr sz="1000"/>
+              <a:defRPr sz="900"/>
             </a:lvl8pPr>
             <a:lvl9pPr marL="3657600" indent="0">
               <a:buNone/>
-              <a:defRPr sz="1000"/>
+              <a:defRPr sz="900"/>
             </a:lvl9pPr>
           </a:lstStyle>
           <a:p>
@@ -2078,7 +2938,7 @@
       </p:sp>
       <p:sp>
         <p:nvSpPr>
-          <p:cNvPr id="5" name="Espace réservé de la date 4"/>
+          <p:cNvPr id="5" name="Date Placeholder 4"/>
           <p:cNvSpPr>
             <a:spLocks noGrp="1"/>
           </p:cNvSpPr>
@@ -2093,7 +2953,7 @@
           <a:p>
             <a:fld id="{B08E338C-DB01-4BFB-B7AC-5AE95E437AFB}" type="datetimeFigureOut">
               <a:rPr lang="fr-FR" smtClean="0"/>
-              <a:t>19/02/2017</a:t>
+              <a:t>28/02/2017</a:t>
             </a:fld>
             <a:endParaRPr lang="fr-FR"/>
           </a:p>
@@ -2101,7 +2961,7 @@
       </p:sp>
       <p:sp>
         <p:nvSpPr>
-          <p:cNvPr id="6" name="Espace réservé du pied de page 5"/>
+          <p:cNvPr id="6" name="Footer Placeholder 5"/>
           <p:cNvSpPr>
             <a:spLocks noGrp="1"/>
           </p:cNvSpPr>
@@ -2118,9 +2978,98 @@
           </a:p>
         </p:txBody>
       </p:sp>
-      <p:sp>
-        <p:nvSpPr>
-          <p:cNvPr id="7" name="Espace réservé du numéro de diapositive 6"/>
+      <p:grpSp>
+        <p:nvGrpSpPr>
+          <p:cNvPr id="9" name="Group 8"/>
+          <p:cNvGrpSpPr>
+            <a:grpSpLocks noChangeAspect="1"/>
+          </p:cNvGrpSpPr>
+          <p:nvPr/>
+        </p:nvGrpSpPr>
+        <p:grpSpPr>
+          <a:xfrm>
+            <a:off x="11401725" y="6229681"/>
+            <a:ext cx="457200" cy="457200"/>
+            <a:chOff x="11361456" y="6195813"/>
+            <a:chExt cx="548640" cy="548640"/>
+          </a:xfrm>
+        </p:grpSpPr>
+        <p:sp>
+          <p:nvSpPr>
+            <p:cNvPr id="10" name="Oval 9"/>
+            <p:cNvSpPr/>
+            <p:nvPr/>
+          </p:nvSpPr>
+          <p:spPr>
+            <a:xfrm>
+              <a:off x="11361456" y="6195813"/>
+              <a:ext cx="548640" cy="548640"/>
+            </a:xfrm>
+            <a:prstGeom prst="ellipse">
+              <a:avLst/>
+            </a:prstGeom>
+            <a:blipFill dpi="0" rotWithShape="1">
+              <a:blip r:embed="rId4">
+                <a:duotone>
+                  <a:schemeClr val="accent1">
+                    <a:shade val="45000"/>
+                    <a:satMod val="135000"/>
+                  </a:schemeClr>
+                  <a:prstClr val="white"/>
+                </a:duotone>
+                <a:extLst>
+                  <a:ext uri="{BEBA8EAE-BF5A-486C-A8C5-ECC9F3942E4B}">
+                    <a14:imgProps xmlns:a14="http://schemas.microsoft.com/office/drawing/2010/main">
+                      <a14:imgLayer r:embed="rId5">
+                        <a14:imgEffect>
+                          <a14:saturation sat="95000"/>
+                        </a14:imgEffect>
+                        <a14:imgEffect>
+                          <a14:brightnessContrast bright="-40000" contrast="20000"/>
+                        </a14:imgEffect>
+                      </a14:imgLayer>
+                    </a14:imgProps>
+                  </a:ext>
+                </a:extLst>
+              </a:blip>
+              <a:srcRect/>
+              <a:tile tx="50800" ty="0" sx="85000" sy="85000" flip="none" algn="tl"/>
+            </a:blipFill>
+            <a:ln w="25400" cap="flat" cmpd="sng" algn="ctr">
+              <a:noFill/>
+              <a:prstDash val="solid"/>
+            </a:ln>
+            <a:effectLst/>
+          </p:spPr>
+        </p:sp>
+        <p:sp>
+          <p:nvSpPr>
+            <p:cNvPr id="11" name="Oval 10"/>
+            <p:cNvSpPr/>
+            <p:nvPr/>
+          </p:nvSpPr>
+          <p:spPr>
+            <a:xfrm>
+              <a:off x="11396488" y="6230844"/>
+              <a:ext cx="478576" cy="478578"/>
+            </a:xfrm>
+            <a:prstGeom prst="ellipse">
+              <a:avLst/>
+            </a:prstGeom>
+            <a:noFill/>
+            <a:ln w="12700" cap="flat" cmpd="sng" algn="ctr">
+              <a:solidFill>
+                <a:sysClr val="window" lastClr="FFFFFF"/>
+              </a:solidFill>
+              <a:prstDash val="solid"/>
+            </a:ln>
+            <a:effectLst/>
+          </p:spPr>
+        </p:sp>
+      </p:grpSp>
+      <p:sp>
+        <p:nvSpPr>
+          <p:cNvPr id="7" name="Slide Number Placeholder 6"/>
           <p:cNvSpPr>
             <a:spLocks noGrp="1"/>
           </p:cNvSpPr>
@@ -2144,7 +3093,7 @@
     </p:spTree>
     <p:extLst>
       <p:ext uri="{BB962C8B-B14F-4D97-AF65-F5344CB8AC3E}">
-        <p14:creationId xmlns:p14="http://schemas.microsoft.com/office/powerpoint/2010/main" val="1212061469"/>
+        <p14:creationId xmlns:p14="http://schemas.microsoft.com/office/powerpoint/2010/main" val="3930912331"/>
       </p:ext>
     </p:extLst>
   </p:cSld>
@@ -2155,7 +3104,7 @@
 </file>
 
 <file path=ppt/slideLayouts/slideLayout9.xml><?xml version="1.0" encoding="utf-8"?>
-<p:sldLayout xmlns:a="http://schemas.openxmlformats.org/drawingml/2006/main" xmlns:r="http://schemas.openxmlformats.org/officeDocument/2006/relationships" xmlns:p="http://schemas.openxmlformats.org/presentationml/2006/main" type="picTx" preserve="1">
+<p:sldLayout xmlns:a="http://schemas.openxmlformats.org/drawingml/2006/main" xmlns:r="http://schemas.openxmlformats.org/officeDocument/2006/relationships" xmlns:p="http://schemas.openxmlformats.org/presentationml/2006/main" showMasterSp="0" type="picTx" preserve="1">
   <p:cSld name="Image avec légende">
     <p:spTree>
       <p:nvGrpSpPr>
@@ -2173,25 +3122,84 @@
       </p:grpSpPr>
       <p:sp>
         <p:nvSpPr>
-          <p:cNvPr id="2" name="Titre 1"/>
-          <p:cNvSpPr>
-            <a:spLocks noGrp="1"/>
-          </p:cNvSpPr>
-          <p:nvPr>
-            <p:ph type="title"/>
-          </p:nvPr>
+          <p:cNvPr id="11" name="Rectangle 10"/>
+          <p:cNvSpPr/>
+          <p:nvPr/>
         </p:nvSpPr>
         <p:spPr>
           <a:xfrm>
-            <a:off x="839788" y="457200"/>
-            <a:ext cx="3932237" cy="1600200"/>
+            <a:off x="8303740" y="0"/>
+            <a:ext cx="3888259" cy="6857999"/>
+          </a:xfrm>
+          <a:prstGeom prst="rect">
+            <a:avLst/>
+          </a:prstGeom>
+          <a:blipFill dpi="0" rotWithShape="1">
+            <a:blip r:embed="rId2">
+              <a:alphaModFix amt="60000"/>
+              <a:lum bright="70000" contrast="-70000"/>
+              <a:extLst>
+                <a:ext uri="{BEBA8EAE-BF5A-486C-A8C5-ECC9F3942E4B}">
+                  <a14:imgProps xmlns:a14="http://schemas.microsoft.com/office/drawing/2010/main">
+                    <a14:imgLayer r:embed="rId3">
+                      <a14:imgEffect>
+                        <a14:sharpenSoften amount="61000"/>
+                      </a14:imgEffect>
+                    </a14:imgLayer>
+                  </a14:imgProps>
+                </a:ext>
+                <a:ext uri="{28A0092B-C50C-407E-A947-70E740481C1C}">
+                  <a14:useLocalDpi xmlns:a14="http://schemas.microsoft.com/office/drawing/2010/main" val="0"/>
+                </a:ext>
+              </a:extLst>
+            </a:blip>
+            <a:srcRect/>
+            <a:tile tx="0" ty="-704850" sx="92000" sy="89000" flip="xy" algn="ctr"/>
+          </a:blipFill>
+          <a:ln>
+            <a:noFill/>
+          </a:ln>
+        </p:spPr>
+        <p:style>
+          <a:lnRef idx="2">
+            <a:schemeClr val="accent1">
+              <a:shade val="50000"/>
+            </a:schemeClr>
+          </a:lnRef>
+          <a:fillRef idx="1">
+            <a:schemeClr val="accent1"/>
+          </a:fillRef>
+          <a:effectRef idx="0">
+            <a:schemeClr val="accent1"/>
+          </a:effectRef>
+          <a:fontRef idx="minor">
+            <a:schemeClr val="lt1"/>
+          </a:fontRef>
+        </p:style>
+      </p:sp>
+      <p:sp>
+        <p:nvSpPr>
+          <p:cNvPr id="2" name="Title 1"/>
+          <p:cNvSpPr>
+            <a:spLocks noGrp="1"/>
+          </p:cNvSpPr>
+          <p:nvPr>
+            <p:ph type="title"/>
+          </p:nvPr>
+        </p:nvSpPr>
+        <p:spPr>
+          <a:xfrm>
+            <a:off x="8549640" y="685800"/>
+            <a:ext cx="3200400" cy="1737360"/>
           </a:xfrm>
         </p:spPr>
         <p:txBody>
-          <a:bodyPr anchor="b"/>
+          <a:bodyPr anchor="b">
+            <a:normAutofit/>
+          </a:bodyPr>
           <a:lstStyle>
             <a:lvl1pPr>
-              <a:defRPr sz="3200"/>
+              <a:defRPr sz="3200" b="1"/>
             </a:lvl1pPr>
           </a:lstStyle>
           <a:p>
@@ -2199,15 +3207,15 @@
               <a:rPr lang="fr-FR"/>
               <a:t>Modifiez le style du titre</a:t>
             </a:r>
-            <a:endParaRPr lang="fr-FR"/>
-          </a:p>
-        </p:txBody>
-      </p:sp>
-      <p:sp>
-        <p:nvSpPr>
-          <p:cNvPr id="3" name="Espace réservé pour une image  2"/>
-          <p:cNvSpPr>
-            <a:spLocks noGrp="1"/>
+            <a:endParaRPr lang="en-US" dirty="0"/>
+          </a:p>
+        </p:txBody>
+      </p:sp>
+      <p:sp>
+        <p:nvSpPr>
+          <p:cNvPr id="3" name="Picture Placeholder 2"/>
+          <p:cNvSpPr>
+            <a:spLocks noGrp="1" noChangeAspect="1"/>
           </p:cNvSpPr>
           <p:nvPr>
             <p:ph type="pic" idx="1"/>
@@ -2215,12 +3223,18 @@
         </p:nvSpPr>
         <p:spPr>
           <a:xfrm>
-            <a:off x="5183188" y="987425"/>
-            <a:ext cx="6172200" cy="4873625"/>
+            <a:off x="0" y="0"/>
+            <a:ext cx="8303740" cy="6858000"/>
           </a:xfrm>
+          <a:solidFill>
+            <a:schemeClr val="tx2">
+              <a:lumMod val="20000"/>
+              <a:lumOff val="80000"/>
+            </a:schemeClr>
+          </a:solidFill>
         </p:spPr>
         <p:txBody>
-          <a:bodyPr/>
+          <a:bodyPr anchor="t"/>
           <a:lstStyle>
             <a:lvl1pPr marL="0" indent="0">
               <a:buNone/>
@@ -2260,13 +3274,17 @@
             </a:lvl9pPr>
           </a:lstStyle>
           <a:p>
-            <a:endParaRPr lang="fr-FR"/>
-          </a:p>
-        </p:txBody>
-      </p:sp>
-      <p:sp>
-        <p:nvSpPr>
-          <p:cNvPr id="4" name="Espace réservé du texte 3"/>
+            <a:r>
+              <a:rPr lang="fr-FR"/>
+              <a:t>Cliquez sur l'icône pour ajouter une image</a:t>
+            </a:r>
+            <a:endParaRPr lang="en-US" dirty="0"/>
+          </a:p>
+        </p:txBody>
+      </p:sp>
+      <p:sp>
+        <p:nvSpPr>
+          <p:cNvPr id="4" name="Text Placeholder 3"/>
           <p:cNvSpPr>
             <a:spLocks noGrp="1"/>
           </p:cNvSpPr>
@@ -2276,48 +3294,62 @@
         </p:nvSpPr>
         <p:spPr>
           <a:xfrm>
-            <a:off x="839788" y="2057400"/>
-            <a:ext cx="3932237" cy="3811588"/>
+            <a:off x="8549640" y="2423160"/>
+            <a:ext cx="3200400" cy="3291840"/>
           </a:xfrm>
         </p:spPr>
         <p:txBody>
-          <a:bodyPr/>
+          <a:bodyPr>
+            <a:normAutofit/>
+          </a:bodyPr>
           <a:lstStyle>
             <a:lvl1pPr marL="0" indent="0">
-              <a:buNone/>
-              <a:defRPr sz="1600"/>
+              <a:lnSpc>
+                <a:spcPct val="100000"/>
+              </a:lnSpc>
+              <a:spcBef>
+                <a:spcPts val="1000"/>
+              </a:spcBef>
+              <a:buNone/>
+              <a:defRPr sz="1400">
+                <a:solidFill>
+                  <a:schemeClr val="accent1">
+                    <a:lumMod val="75000"/>
+                  </a:schemeClr>
+                </a:solidFill>
+              </a:defRPr>
             </a:lvl1pPr>
             <a:lvl2pPr marL="457200" indent="0">
               <a:buNone/>
-              <a:defRPr sz="1400"/>
+              <a:defRPr sz="1200"/>
             </a:lvl2pPr>
             <a:lvl3pPr marL="914400" indent="0">
               <a:buNone/>
-              <a:defRPr sz="1200"/>
+              <a:defRPr sz="1000"/>
             </a:lvl3pPr>
             <a:lvl4pPr marL="1371600" indent="0">
               <a:buNone/>
-              <a:defRPr sz="1000"/>
+              <a:defRPr sz="900"/>
             </a:lvl4pPr>
             <a:lvl5pPr marL="1828800" indent="0">
               <a:buNone/>
-              <a:defRPr sz="1000"/>
+              <a:defRPr sz="900"/>
             </a:lvl5pPr>
             <a:lvl6pPr marL="2286000" indent="0">
               <a:buNone/>
-              <a:defRPr sz="1000"/>
+              <a:defRPr sz="900"/>
             </a:lvl6pPr>
             <a:lvl7pPr marL="2743200" indent="0">
               <a:buNone/>
-              <a:defRPr sz="1000"/>
+              <a:defRPr sz="900"/>
             </a:lvl7pPr>
             <a:lvl8pPr marL="3200400" indent="0">
               <a:buNone/>
-              <a:defRPr sz="1000"/>
+              <a:defRPr sz="900"/>
             </a:lvl8pPr>
             <a:lvl9pPr marL="3657600" indent="0">
               <a:buNone/>
-              <a:defRPr sz="1000"/>
+              <a:defRPr sz="900"/>
             </a:lvl9pPr>
           </a:lstStyle>
           <a:p>
@@ -2331,7 +3363,7 @@
       </p:sp>
       <p:sp>
         <p:nvSpPr>
-          <p:cNvPr id="5" name="Espace réservé de la date 4"/>
+          <p:cNvPr id="5" name="Date Placeholder 4"/>
           <p:cNvSpPr>
             <a:spLocks noGrp="1"/>
           </p:cNvSpPr>
@@ -2346,34 +3378,104 @@
           <a:p>
             <a:fld id="{B08E338C-DB01-4BFB-B7AC-5AE95E437AFB}" type="datetimeFigureOut">
               <a:rPr lang="fr-FR" smtClean="0"/>
-              <a:t>19/02/2017</a:t>
+              <a:t>28/02/2017</a:t>
             </a:fld>
             <a:endParaRPr lang="fr-FR"/>
           </a:p>
         </p:txBody>
       </p:sp>
-      <p:sp>
-        <p:nvSpPr>
-          <p:cNvPr id="6" name="Espace réservé du pied de page 5"/>
-          <p:cNvSpPr>
-            <a:spLocks noGrp="1"/>
-          </p:cNvSpPr>
-          <p:nvPr>
-            <p:ph type="ftr" sz="quarter" idx="11"/>
-          </p:nvPr>
-        </p:nvSpPr>
-        <p:spPr/>
-        <p:txBody>
-          <a:bodyPr/>
-          <a:lstStyle/>
-          <a:p>
-            <a:endParaRPr lang="fr-FR"/>
-          </a:p>
-        </p:txBody>
-      </p:sp>
-      <p:sp>
-        <p:nvSpPr>
-          <p:cNvPr id="7" name="Espace réservé du numéro de diapositive 6"/>
+      <p:grpSp>
+        <p:nvGrpSpPr>
+          <p:cNvPr id="8" name="Group 7"/>
+          <p:cNvGrpSpPr>
+            <a:grpSpLocks noChangeAspect="1"/>
+          </p:cNvGrpSpPr>
+          <p:nvPr/>
+        </p:nvGrpSpPr>
+        <p:grpSpPr>
+          <a:xfrm>
+            <a:off x="11401725" y="6229681"/>
+            <a:ext cx="457200" cy="457200"/>
+            <a:chOff x="11361456" y="6195813"/>
+            <a:chExt cx="548640" cy="548640"/>
+          </a:xfrm>
+        </p:grpSpPr>
+        <p:sp>
+          <p:nvSpPr>
+            <p:cNvPr id="9" name="Oval 8"/>
+            <p:cNvSpPr/>
+            <p:nvPr/>
+          </p:nvSpPr>
+          <p:spPr>
+            <a:xfrm>
+              <a:off x="11361456" y="6195813"/>
+              <a:ext cx="548640" cy="548640"/>
+            </a:xfrm>
+            <a:prstGeom prst="ellipse">
+              <a:avLst/>
+            </a:prstGeom>
+            <a:blipFill dpi="0" rotWithShape="1">
+              <a:blip r:embed="rId4">
+                <a:duotone>
+                  <a:schemeClr val="accent1">
+                    <a:shade val="45000"/>
+                    <a:satMod val="135000"/>
+                  </a:schemeClr>
+                  <a:prstClr val="white"/>
+                </a:duotone>
+                <a:extLst>
+                  <a:ext uri="{BEBA8EAE-BF5A-486C-A8C5-ECC9F3942E4B}">
+                    <a14:imgProps xmlns:a14="http://schemas.microsoft.com/office/drawing/2010/main">
+                      <a14:imgLayer r:embed="rId5">
+                        <a14:imgEffect>
+                          <a14:saturation sat="95000"/>
+                        </a14:imgEffect>
+                        <a14:imgEffect>
+                          <a14:brightnessContrast bright="-40000" contrast="20000"/>
+                        </a14:imgEffect>
+                      </a14:imgLayer>
+                    </a14:imgProps>
+                  </a:ext>
+                </a:extLst>
+              </a:blip>
+              <a:srcRect/>
+              <a:tile tx="50800" ty="0" sx="85000" sy="85000" flip="none" algn="tl"/>
+            </a:blipFill>
+            <a:ln w="25400" cap="flat" cmpd="sng" algn="ctr">
+              <a:noFill/>
+              <a:prstDash val="solid"/>
+            </a:ln>
+            <a:effectLst/>
+          </p:spPr>
+        </p:sp>
+        <p:sp>
+          <p:nvSpPr>
+            <p:cNvPr id="10" name="Oval 9"/>
+            <p:cNvSpPr/>
+            <p:nvPr/>
+          </p:nvSpPr>
+          <p:spPr>
+            <a:xfrm>
+              <a:off x="11396488" y="6230844"/>
+              <a:ext cx="478576" cy="478578"/>
+            </a:xfrm>
+            <a:prstGeom prst="ellipse">
+              <a:avLst/>
+            </a:prstGeom>
+            <a:noFill/>
+            <a:ln w="12700" cap="flat" cmpd="sng" algn="ctr">
+              <a:solidFill>
+                <a:sysClr val="window" lastClr="FFFFFF"/>
+              </a:solidFill>
+              <a:prstDash val="solid"/>
+            </a:ln>
+            <a:effectLst/>
+          </p:spPr>
+        </p:sp>
+      </p:grpSp>
+      <p:sp>
+        <p:nvSpPr>
+          <p:cNvPr id="7" name="Slide Number Placeholder 6"/>
           <p:cNvSpPr>
             <a:spLocks noGrp="1"/>
           </p:cNvSpPr>
@@ -2397,7 +3499,7 @@
     </p:spTree>
     <p:extLst>
       <p:ext uri="{BB962C8B-B14F-4D97-AF65-F5344CB8AC3E}">
-        <p14:creationId xmlns:p14="http://schemas.microsoft.com/office/powerpoint/2010/main" val="2040431446"/>
+        <p14:creationId xmlns:p14="http://schemas.microsoft.com/office/powerpoint/2010/main" val="1364738172"/>
       </p:ext>
     </p:extLst>
   </p:cSld>
@@ -2431,7 +3533,7 @@
       </p:grpSpPr>
       <p:sp>
         <p:nvSpPr>
-          <p:cNvPr id="2" name="Espace réservé du titre 1"/>
+          <p:cNvPr id="2" name="Title Placeholder 1"/>
           <p:cNvSpPr>
             <a:spLocks noGrp="1"/>
           </p:cNvSpPr>
@@ -2441,8 +3543,8 @@
         </p:nvSpPr>
         <p:spPr>
           <a:xfrm>
-            <a:off x="838200" y="365125"/>
-            <a:ext cx="10515600" cy="1325563"/>
+            <a:off x="1069848" y="484632"/>
+            <a:ext cx="10058400" cy="1609344"/>
           </a:xfrm>
           <a:prstGeom prst="rect">
             <a:avLst/>
@@ -2458,13 +3560,13 @@
               <a:rPr lang="fr-FR"/>
               <a:t>Modifiez le style du titre</a:t>
             </a:r>
-            <a:endParaRPr lang="fr-FR"/>
-          </a:p>
-        </p:txBody>
-      </p:sp>
-      <p:sp>
-        <p:nvSpPr>
-          <p:cNvPr id="3" name="Espace réservé du texte 2"/>
+            <a:endParaRPr lang="en-US" dirty="0"/>
+          </a:p>
+        </p:txBody>
+      </p:sp>
+      <p:sp>
+        <p:nvSpPr>
+          <p:cNvPr id="3" name="Text Placeholder 2"/>
           <p:cNvSpPr>
             <a:spLocks noGrp="1"/>
           </p:cNvSpPr>
@@ -2474,8 +3576,8 @@
         </p:nvSpPr>
         <p:spPr>
           <a:xfrm>
-            <a:off x="838200" y="1825625"/>
-            <a:ext cx="10515600" cy="4351338"/>
+            <a:off x="1069848" y="2121408"/>
+            <a:ext cx="10058400" cy="4050792"/>
           </a:xfrm>
           <a:prstGeom prst="rect">
             <a:avLst/>
@@ -2520,13 +3622,13 @@
               <a:rPr lang="fr-FR"/>
               <a:t>Cinquième niveau</a:t>
             </a:r>
-            <a:endParaRPr lang="fr-FR"/>
-          </a:p>
-        </p:txBody>
-      </p:sp>
-      <p:sp>
-        <p:nvSpPr>
-          <p:cNvPr id="4" name="Espace réservé de la date 3"/>
+            <a:endParaRPr lang="en-US" dirty="0"/>
+          </a:p>
+        </p:txBody>
+      </p:sp>
+      <p:sp>
+        <p:nvSpPr>
+          <p:cNvPr id="4" name="Date Placeholder 3"/>
           <p:cNvSpPr>
             <a:spLocks noGrp="1"/>
           </p:cNvSpPr>
@@ -2536,8 +3638,8 @@
         </p:nvSpPr>
         <p:spPr>
           <a:xfrm>
-            <a:off x="838200" y="6356350"/>
-            <a:ext cx="2743200" cy="365125"/>
+            <a:off x="7964424" y="6272784"/>
+            <a:ext cx="3273552" cy="365125"/>
           </a:xfrm>
           <a:prstGeom prst="rect">
             <a:avLst/>
@@ -2546,12 +3648,10 @@
         <p:txBody>
           <a:bodyPr vert="horz" lIns="91440" tIns="45720" rIns="91440" bIns="45720" rtlCol="0" anchor="ctr"/>
           <a:lstStyle>
-            <a:lvl1pPr algn="l">
-              <a:defRPr sz="1200">
+            <a:lvl1pPr algn="r">
+              <a:defRPr sz="1100">
                 <a:solidFill>
-                  <a:schemeClr val="tx1">
-                    <a:tint val="75000"/>
-                  </a:schemeClr>
+                  <a:schemeClr val="tx2"/>
                 </a:solidFill>
               </a:defRPr>
             </a:lvl1pPr>
@@ -2559,7 +3659,7 @@
           <a:p>
             <a:fld id="{B08E338C-DB01-4BFB-B7AC-5AE95E437AFB}" type="datetimeFigureOut">
               <a:rPr lang="fr-FR" smtClean="0"/>
-              <a:t>19/02/2017</a:t>
+              <a:t>28/02/2017</a:t>
             </a:fld>
             <a:endParaRPr lang="fr-FR"/>
           </a:p>
@@ -2567,7 +3667,7 @@
       </p:sp>
       <p:sp>
         <p:nvSpPr>
-          <p:cNvPr id="5" name="Espace réservé du pied de page 4"/>
+          <p:cNvPr id="5" name="Footer Placeholder 4"/>
           <p:cNvSpPr>
             <a:spLocks noGrp="1"/>
           </p:cNvSpPr>
@@ -2577,8 +3677,8 @@
         </p:nvSpPr>
         <p:spPr>
           <a:xfrm>
-            <a:off x="4038600" y="6356350"/>
-            <a:ext cx="4114800" cy="365125"/>
+            <a:off x="1088136" y="6272784"/>
+            <a:ext cx="6327648" cy="365125"/>
           </a:xfrm>
           <a:prstGeom prst="rect">
             <a:avLst/>
@@ -2587,24 +3687,123 @@
         <p:txBody>
           <a:bodyPr vert="horz" lIns="91440" tIns="45720" rIns="91440" bIns="45720" rtlCol="0" anchor="ctr"/>
           <a:lstStyle>
-            <a:lvl1pPr algn="ctr">
-              <a:defRPr sz="1200">
+            <a:lvl1pPr algn="l">
+              <a:defRPr sz="1100">
                 <a:solidFill>
-                  <a:schemeClr val="tx1">
-                    <a:tint val="75000"/>
-                  </a:schemeClr>
+                  <a:schemeClr val="tx2"/>
                 </a:solidFill>
               </a:defRPr>
             </a:lvl1pPr>
           </a:lstStyle>
           <a:p>
-            <a:endParaRPr lang="fr-FR"/>
-          </a:p>
-        </p:txBody>
-      </p:sp>
-      <p:sp>
-        <p:nvSpPr>
-          <p:cNvPr id="6" name="Espace réservé du numéro de diapositive 5"/>
+            <a:r>
+              <a:rPr lang="fr-FR" dirty="0"/>
+              <a:t>Java Pro - </a:t>
+            </a:r>
+            <a:r>
+              <a:rPr lang="fr-FR" dirty="0" err="1"/>
+              <a:t>EJBadass</a:t>
+            </a:r>
+            <a:r>
+              <a:rPr lang="fr-FR" dirty="0"/>
+              <a:t>							Benoît Garçon</a:t>
+            </a:r>
+            <a:endParaRPr lang="fr-FR" dirty="0"/>
+          </a:p>
+        </p:txBody>
+      </p:sp>
+      <p:grpSp>
+        <p:nvGrpSpPr>
+          <p:cNvPr id="7" name="Group 6"/>
+          <p:cNvGrpSpPr>
+            <a:grpSpLocks noChangeAspect="1"/>
+          </p:cNvGrpSpPr>
+          <p:nvPr/>
+        </p:nvGrpSpPr>
+        <p:grpSpPr>
+          <a:xfrm>
+            <a:off x="11401725" y="6229681"/>
+            <a:ext cx="457200" cy="457200"/>
+            <a:chOff x="11361456" y="6195813"/>
+            <a:chExt cx="548640" cy="548640"/>
+          </a:xfrm>
+        </p:grpSpPr>
+        <p:sp>
+          <p:nvSpPr>
+            <p:cNvPr id="8" name="Oval 7"/>
+            <p:cNvSpPr/>
+            <p:nvPr/>
+          </p:nvSpPr>
+          <p:spPr>
+            <a:xfrm>
+              <a:off x="11361456" y="6195813"/>
+              <a:ext cx="548640" cy="548640"/>
+            </a:xfrm>
+            <a:prstGeom prst="ellipse">
+              <a:avLst/>
+            </a:prstGeom>
+            <a:blipFill dpi="0" rotWithShape="1">
+              <a:blip r:embed="rId13">
+                <a:duotone>
+                  <a:schemeClr val="accent1">
+                    <a:shade val="45000"/>
+                    <a:satMod val="135000"/>
+                  </a:schemeClr>
+                  <a:prstClr val="white"/>
+                </a:duotone>
+                <a:extLst>
+                  <a:ext uri="{BEBA8EAE-BF5A-486C-A8C5-ECC9F3942E4B}">
+                    <a14:imgProps xmlns:a14="http://schemas.microsoft.com/office/drawing/2010/main">
+                      <a14:imgLayer r:embed="rId14">
+                        <a14:imgEffect>
+                          <a14:saturation sat="95000"/>
+                        </a14:imgEffect>
+                        <a14:imgEffect>
+                          <a14:brightnessContrast bright="-40000" contrast="20000"/>
+                        </a14:imgEffect>
+                      </a14:imgLayer>
+                    </a14:imgProps>
+                  </a:ext>
+                </a:extLst>
+              </a:blip>
+              <a:srcRect/>
+              <a:tile tx="50800" ty="0" sx="85000" sy="85000" flip="none" algn="tl"/>
+            </a:blipFill>
+            <a:ln w="25400" cap="flat" cmpd="sng" algn="ctr">
+              <a:noFill/>
+              <a:prstDash val="solid"/>
+            </a:ln>
+            <a:effectLst/>
+          </p:spPr>
+        </p:sp>
+        <p:sp>
+          <p:nvSpPr>
+            <p:cNvPr id="9" name="Oval 8"/>
+            <p:cNvSpPr/>
+            <p:nvPr/>
+          </p:nvSpPr>
+          <p:spPr>
+            <a:xfrm>
+              <a:off x="11396488" y="6230844"/>
+              <a:ext cx="478576" cy="478578"/>
+            </a:xfrm>
+            <a:prstGeom prst="ellipse">
+              <a:avLst/>
+            </a:prstGeom>
+            <a:noFill/>
+            <a:ln w="12700" cap="flat" cmpd="sng" algn="ctr">
+              <a:solidFill>
+                <a:srgbClr val="FFFFFF"/>
+              </a:solidFill>
+              <a:prstDash val="solid"/>
+            </a:ln>
+            <a:effectLst/>
+          </p:spPr>
+        </p:sp>
+      </p:grpSp>
+      <p:sp>
+        <p:nvSpPr>
+          <p:cNvPr id="6" name="Slide Number Placeholder 5"/>
           <p:cNvSpPr>
             <a:spLocks noGrp="1"/>
           </p:cNvSpPr>
@@ -2614,8 +3813,8 @@
         </p:nvSpPr>
         <p:spPr>
           <a:xfrm>
-            <a:off x="8610600" y="6356350"/>
-            <a:ext cx="2743200" cy="365125"/>
+            <a:off x="11311128" y="6272784"/>
+            <a:ext cx="640080" cy="365125"/>
           </a:xfrm>
           <a:prstGeom prst="rect">
             <a:avLst/>
@@ -2624,13 +3823,12 @@
         <p:txBody>
           <a:bodyPr vert="horz" lIns="91440" tIns="45720" rIns="91440" bIns="45720" rtlCol="0" anchor="ctr"/>
           <a:lstStyle>
-            <a:lvl1pPr algn="r">
-              <a:defRPr sz="1200">
+            <a:lvl1pPr algn="ctr">
+              <a:defRPr sz="1400" b="1">
                 <a:solidFill>
-                  <a:schemeClr val="tx1">
-                    <a:tint val="75000"/>
-                  </a:schemeClr>
+                  <a:srgbClr val="FFFFFF"/>
                 </a:solidFill>
+                <a:latin typeface="+mj-lt"/>
               </a:defRPr>
             </a:lvl1pPr>
           </a:lstStyle>
@@ -2639,30 +3837,30 @@
               <a:rPr lang="fr-FR" smtClean="0"/>
               <a:t>‹N°›</a:t>
             </a:fld>
-            <a:endParaRPr lang="fr-FR"/>
+            <a:endParaRPr lang="fr-FR" dirty="0"/>
           </a:p>
         </p:txBody>
       </p:sp>
     </p:spTree>
     <p:extLst>
       <p:ext uri="{BB962C8B-B14F-4D97-AF65-F5344CB8AC3E}">
-        <p14:creationId xmlns:p14="http://schemas.microsoft.com/office/powerpoint/2010/main" val="2406124061"/>
+        <p14:creationId xmlns:p14="http://schemas.microsoft.com/office/powerpoint/2010/main" val="1740143162"/>
       </p:ext>
     </p:extLst>
   </p:cSld>
   <p:clrMap bg1="lt1" tx1="dk1" bg2="lt2" tx2="dk2" accent1="accent1" accent2="accent2" accent3="accent3" accent4="accent4" accent5="accent5" accent6="accent6" hlink="hlink" folHlink="folHlink"/>
   <p:sldLayoutIdLst>
-    <p:sldLayoutId id="2147483649" r:id="rId1"/>
-    <p:sldLayoutId id="2147483650" r:id="rId2"/>
-    <p:sldLayoutId id="2147483651" r:id="rId3"/>
-    <p:sldLayoutId id="2147483652" r:id="rId4"/>
-    <p:sldLayoutId id="2147483653" r:id="rId5"/>
-    <p:sldLayoutId id="2147483654" r:id="rId6"/>
-    <p:sldLayoutId id="2147483655" r:id="rId7"/>
-    <p:sldLayoutId id="2147483656" r:id="rId8"/>
-    <p:sldLayoutId id="2147483657" r:id="rId9"/>
-    <p:sldLayoutId id="2147483658" r:id="rId10"/>
-    <p:sldLayoutId id="2147483659" r:id="rId11"/>
+    <p:sldLayoutId id="2147484049" r:id="rId1"/>
+    <p:sldLayoutId id="2147484050" r:id="rId2"/>
+    <p:sldLayoutId id="2147484051" r:id="rId3"/>
+    <p:sldLayoutId id="2147484052" r:id="rId4"/>
+    <p:sldLayoutId id="2147484053" r:id="rId5"/>
+    <p:sldLayoutId id="2147484054" r:id="rId6"/>
+    <p:sldLayoutId id="2147484055" r:id="rId7"/>
+    <p:sldLayoutId id="2147484056" r:id="rId8"/>
+    <p:sldLayoutId id="2147484057" r:id="rId9"/>
+    <p:sldLayoutId id="2147484058" r:id="rId10"/>
+    <p:sldLayoutId id="2147484059" r:id="rId11"/>
   </p:sldLayoutIdLst>
   <p:txStyles>
     <p:titleStyle>
@@ -2674,10 +3872,17 @@
           <a:spcPct val="0"/>
         </a:spcBef>
         <a:buNone/>
-        <a:defRPr sz="4400" kern="1200">
-          <a:solidFill>
-            <a:schemeClr val="tx1"/>
-          </a:solidFill>
+        <a:defRPr sz="5400" kern="1200" cap="all" baseline="0">
+          <a:blipFill>
+            <a:blip r:embed="rId15">
+              <a:extLst>
+                <a:ext uri="{28A0092B-C50C-407E-A947-70E740481C1C}">
+                  <a14:useLocalDpi xmlns:a14="http://schemas.microsoft.com/office/drawing/2010/main" val="0"/>
+                </a:ext>
+              </a:extLst>
+            </a:blip>
+            <a:tile tx="6350" ty="-127000" sx="65000" sy="64000" flip="none" algn="tl"/>
+          </a:blipFill>
           <a:latin typeface="+mj-lt"/>
           <a:ea typeface="+mj-ea"/>
           <a:cs typeface="+mj-cs"/>
@@ -2685,16 +3890,22 @@
       </a:lvl1pPr>
     </p:titleStyle>
     <p:bodyStyle>
-      <a:lvl1pPr marL="228600" indent="-228600" algn="l" defTabSz="914400" rtl="0" eaLnBrk="1" latinLnBrk="0" hangingPunct="1">
+      <a:lvl1pPr marL="182880" indent="-182880" algn="l" defTabSz="914400" rtl="0" eaLnBrk="1" latinLnBrk="0" hangingPunct="1">
         <a:lnSpc>
           <a:spcPct val="90000"/>
         </a:lnSpc>
         <a:spcBef>
-          <a:spcPts val="1000"/>
+          <a:spcPts val="1200"/>
         </a:spcBef>
-        <a:buFont typeface="Arial" panose="020B0604020202020204" pitchFamily="34" charset="0"/>
-        <a:buChar char="•"/>
-        <a:defRPr sz="2800" kern="1200">
+        <a:buClr>
+          <a:schemeClr val="accent1">
+            <a:lumMod val="75000"/>
+          </a:schemeClr>
+        </a:buClr>
+        <a:buSzPct val="85000"/>
+        <a:buFont typeface="Wingdings" pitchFamily="2" charset="2"/>
+        <a:buChar char="§"/>
+        <a:defRPr sz="2000" kern="1200">
           <a:solidFill>
             <a:schemeClr val="tx1"/>
           </a:solidFill>
@@ -2703,16 +3914,25 @@
           <a:cs typeface="+mn-cs"/>
         </a:defRPr>
       </a:lvl1pPr>
-      <a:lvl2pPr marL="685800" indent="-228600" algn="l" defTabSz="914400" rtl="0" eaLnBrk="1" latinLnBrk="0" hangingPunct="1">
+      <a:lvl2pPr marL="457200" indent="-182880" algn="l" defTabSz="914400" rtl="0" eaLnBrk="1" latinLnBrk="0" hangingPunct="1">
         <a:lnSpc>
           <a:spcPct val="90000"/>
         </a:lnSpc>
         <a:spcBef>
-          <a:spcPts val="500"/>
+          <a:spcPts val="400"/>
         </a:spcBef>
-        <a:buFont typeface="Arial" panose="020B0604020202020204" pitchFamily="34" charset="0"/>
-        <a:buChar char="•"/>
-        <a:defRPr sz="2400" kern="1200">
+        <a:spcAft>
+          <a:spcPts val="200"/>
+        </a:spcAft>
+        <a:buClr>
+          <a:schemeClr val="accent1">
+            <a:lumMod val="75000"/>
+          </a:schemeClr>
+        </a:buClr>
+        <a:buSzPct val="85000"/>
+        <a:buFont typeface="Wingdings" pitchFamily="2" charset="2"/>
+        <a:buChar char="§"/>
+        <a:defRPr sz="1800" kern="1200">
           <a:solidFill>
             <a:schemeClr val="tx1"/>
           </a:solidFill>
@@ -2721,16 +3941,25 @@
           <a:cs typeface="+mn-cs"/>
         </a:defRPr>
       </a:lvl2pPr>
-      <a:lvl3pPr marL="1143000" indent="-228600" algn="l" defTabSz="914400" rtl="0" eaLnBrk="1" latinLnBrk="0" hangingPunct="1">
+      <a:lvl3pPr marL="731520" indent="-182880" algn="l" defTabSz="914400" rtl="0" eaLnBrk="1" latinLnBrk="0" hangingPunct="1">
         <a:lnSpc>
           <a:spcPct val="90000"/>
         </a:lnSpc>
         <a:spcBef>
-          <a:spcPts val="500"/>
+          <a:spcPts val="400"/>
         </a:spcBef>
-        <a:buFont typeface="Arial" panose="020B0604020202020204" pitchFamily="34" charset="0"/>
-        <a:buChar char="•"/>
-        <a:defRPr sz="2000" kern="1200">
+        <a:spcAft>
+          <a:spcPts val="200"/>
+        </a:spcAft>
+        <a:buClr>
+          <a:schemeClr val="accent1">
+            <a:lumMod val="75000"/>
+          </a:schemeClr>
+        </a:buClr>
+        <a:buSzPct val="85000"/>
+        <a:buFont typeface="Wingdings" pitchFamily="2" charset="2"/>
+        <a:buChar char="§"/>
+        <a:defRPr sz="1600" kern="1200">
           <a:solidFill>
             <a:schemeClr val="tx1"/>
           </a:solidFill>
@@ -2739,16 +3968,25 @@
           <a:cs typeface="+mn-cs"/>
         </a:defRPr>
       </a:lvl3pPr>
-      <a:lvl4pPr marL="1600200" indent="-228600" algn="l" defTabSz="914400" rtl="0" eaLnBrk="1" latinLnBrk="0" hangingPunct="1">
+      <a:lvl4pPr marL="1005840" indent="-182880" algn="l" defTabSz="914400" rtl="0" eaLnBrk="1" latinLnBrk="0" hangingPunct="1">
         <a:lnSpc>
           <a:spcPct val="90000"/>
         </a:lnSpc>
         <a:spcBef>
-          <a:spcPts val="500"/>
+          <a:spcPts val="400"/>
         </a:spcBef>
-        <a:buFont typeface="Arial" panose="020B0604020202020204" pitchFamily="34" charset="0"/>
-        <a:buChar char="•"/>
-        <a:defRPr sz="1800" kern="1200">
+        <a:spcAft>
+          <a:spcPts val="200"/>
+        </a:spcAft>
+        <a:buClr>
+          <a:schemeClr val="accent1">
+            <a:lumMod val="75000"/>
+          </a:schemeClr>
+        </a:buClr>
+        <a:buSzPct val="85000"/>
+        <a:buFont typeface="Wingdings" pitchFamily="2" charset="2"/>
+        <a:buChar char="§"/>
+        <a:defRPr sz="1600" kern="1200">
           <a:solidFill>
             <a:schemeClr val="tx1"/>
           </a:solidFill>
@@ -2757,16 +3995,25 @@
           <a:cs typeface="+mn-cs"/>
         </a:defRPr>
       </a:lvl4pPr>
-      <a:lvl5pPr marL="2057400" indent="-228600" algn="l" defTabSz="914400" rtl="0" eaLnBrk="1" latinLnBrk="0" hangingPunct="1">
+      <a:lvl5pPr marL="1280160" indent="-182880" algn="l" defTabSz="914400" rtl="0" eaLnBrk="1" latinLnBrk="0" hangingPunct="1">
         <a:lnSpc>
           <a:spcPct val="90000"/>
         </a:lnSpc>
         <a:spcBef>
-          <a:spcPts val="500"/>
+          <a:spcPts val="400"/>
         </a:spcBef>
-        <a:buFont typeface="Arial" panose="020B0604020202020204" pitchFamily="34" charset="0"/>
-        <a:buChar char="•"/>
-        <a:defRPr sz="1800" kern="1200">
+        <a:spcAft>
+          <a:spcPts val="200"/>
+        </a:spcAft>
+        <a:buClr>
+          <a:schemeClr val="accent1">
+            <a:lumMod val="75000"/>
+          </a:schemeClr>
+        </a:buClr>
+        <a:buSzPct val="85000"/>
+        <a:buFont typeface="Wingdings" pitchFamily="2" charset="2"/>
+        <a:buChar char="§"/>
+        <a:defRPr sz="1600" kern="1200">
           <a:solidFill>
             <a:schemeClr val="tx1"/>
           </a:solidFill>
@@ -2775,16 +4022,25 @@
           <a:cs typeface="+mn-cs"/>
         </a:defRPr>
       </a:lvl5pPr>
-      <a:lvl6pPr marL="2514600" indent="-228600" algn="l" defTabSz="914400" rtl="0" eaLnBrk="1" latinLnBrk="0" hangingPunct="1">
+      <a:lvl6pPr marL="1600000" indent="-228600" algn="l" defTabSz="914400" rtl="0" eaLnBrk="1" latinLnBrk="0" hangingPunct="1">
         <a:lnSpc>
           <a:spcPct val="90000"/>
         </a:lnSpc>
         <a:spcBef>
-          <a:spcPts val="500"/>
+          <a:spcPts val="400"/>
         </a:spcBef>
-        <a:buFont typeface="Arial" panose="020B0604020202020204" pitchFamily="34" charset="0"/>
-        <a:buChar char="•"/>
-        <a:defRPr sz="1800" kern="1200">
+        <a:spcAft>
+          <a:spcPts val="200"/>
+        </a:spcAft>
+        <a:buClr>
+          <a:schemeClr val="accent1">
+            <a:lumMod val="75000"/>
+          </a:schemeClr>
+        </a:buClr>
+        <a:buSzPct val="85000"/>
+        <a:buFont typeface="Wingdings" pitchFamily="2" charset="2"/>
+        <a:buChar char="§"/>
+        <a:defRPr sz="1600" kern="1200">
           <a:solidFill>
             <a:schemeClr val="tx1"/>
           </a:solidFill>
@@ -2793,16 +4049,25 @@
           <a:cs typeface="+mn-cs"/>
         </a:defRPr>
       </a:lvl6pPr>
-      <a:lvl7pPr marL="2971800" indent="-228600" algn="l" defTabSz="914400" rtl="0" eaLnBrk="1" latinLnBrk="0" hangingPunct="1">
+      <a:lvl7pPr marL="1900000" indent="-228600" algn="l" defTabSz="914400" rtl="0" eaLnBrk="1" latinLnBrk="0" hangingPunct="1">
         <a:lnSpc>
           <a:spcPct val="90000"/>
         </a:lnSpc>
         <a:spcBef>
-          <a:spcPts val="500"/>
+          <a:spcPts val="400"/>
         </a:spcBef>
-        <a:buFont typeface="Arial" panose="020B0604020202020204" pitchFamily="34" charset="0"/>
-        <a:buChar char="•"/>
-        <a:defRPr sz="1800" kern="1200">
+        <a:spcAft>
+          <a:spcPts val="200"/>
+        </a:spcAft>
+        <a:buClr>
+          <a:schemeClr val="accent1">
+            <a:lumMod val="75000"/>
+          </a:schemeClr>
+        </a:buClr>
+        <a:buSzPct val="85000"/>
+        <a:buFont typeface="Wingdings" pitchFamily="2" charset="2"/>
+        <a:buChar char="§"/>
+        <a:defRPr sz="1600" kern="1200">
           <a:solidFill>
             <a:schemeClr val="tx1"/>
           </a:solidFill>
@@ -2811,16 +4076,25 @@
           <a:cs typeface="+mn-cs"/>
         </a:defRPr>
       </a:lvl7pPr>
-      <a:lvl8pPr marL="3429000" indent="-228600" algn="l" defTabSz="914400" rtl="0" eaLnBrk="1" latinLnBrk="0" hangingPunct="1">
+      <a:lvl8pPr marL="2200000" indent="-228600" algn="l" defTabSz="914400" rtl="0" eaLnBrk="1" latinLnBrk="0" hangingPunct="1">
         <a:lnSpc>
           <a:spcPct val="90000"/>
         </a:lnSpc>
         <a:spcBef>
-          <a:spcPts val="500"/>
+          <a:spcPts val="400"/>
         </a:spcBef>
-        <a:buFont typeface="Arial" panose="020B0604020202020204" pitchFamily="34" charset="0"/>
-        <a:buChar char="•"/>
-        <a:defRPr sz="1800" kern="1200">
+        <a:spcAft>
+          <a:spcPts val="200"/>
+        </a:spcAft>
+        <a:buClr>
+          <a:schemeClr val="accent1">
+            <a:lumMod val="75000"/>
+          </a:schemeClr>
+        </a:buClr>
+        <a:buSzPct val="85000"/>
+        <a:buFont typeface="Wingdings" pitchFamily="2" charset="2"/>
+        <a:buChar char="§"/>
+        <a:defRPr sz="1600" kern="1200">
           <a:solidFill>
             <a:schemeClr val="tx1"/>
           </a:solidFill>
@@ -2829,16 +4103,25 @@
           <a:cs typeface="+mn-cs"/>
         </a:defRPr>
       </a:lvl8pPr>
-      <a:lvl9pPr marL="3886200" indent="-228600" algn="l" defTabSz="914400" rtl="0" eaLnBrk="1" latinLnBrk="0" hangingPunct="1">
+      <a:lvl9pPr marL="2500000" indent="-228600" algn="l" defTabSz="914400" rtl="0" eaLnBrk="1" latinLnBrk="0" hangingPunct="1">
         <a:lnSpc>
           <a:spcPct val="90000"/>
         </a:lnSpc>
         <a:spcBef>
-          <a:spcPts val="500"/>
+          <a:spcPts val="400"/>
         </a:spcBef>
-        <a:buFont typeface="Arial" panose="020B0604020202020204" pitchFamily="34" charset="0"/>
-        <a:buChar char="•"/>
-        <a:defRPr sz="1800" kern="1200">
+        <a:spcAft>
+          <a:spcPts val="200"/>
+        </a:spcAft>
+        <a:buClr>
+          <a:schemeClr val="accent1">
+            <a:lumMod val="75000"/>
+          </a:schemeClr>
+        </a:buClr>
+        <a:buSzPct val="85000"/>
+        <a:buFont typeface="Wingdings" pitchFamily="2" charset="2"/>
+        <a:buChar char="§"/>
+        <a:defRPr sz="1600" kern="1200">
           <a:solidFill>
             <a:schemeClr val="tx1"/>
           </a:solidFill>
@@ -2850,7 +4133,7 @@
     </p:bodyStyle>
     <p:otherStyle>
       <a:defPPr>
-        <a:defRPr lang="fr-FR"/>
+        <a:defRPr lang="en-US"/>
       </a:defPPr>
       <a:lvl1pPr marL="0" algn="l" defTabSz="914400" rtl="0" eaLnBrk="1" latinLnBrk="0" hangingPunct="1">
         <a:defRPr sz="1800" kern="1200">
@@ -2950,6 +4233,14 @@
 <file path=ppt/slides/slide1.xml><?xml version="1.0" encoding="utf-8"?>
 <p:sld xmlns:a="http://schemas.openxmlformats.org/drawingml/2006/main" xmlns:r="http://schemas.openxmlformats.org/officeDocument/2006/relationships" xmlns:p="http://schemas.openxmlformats.org/presentationml/2006/main">
   <p:cSld>
+    <p:bg>
+      <p:bgPr>
+        <a:solidFill>
+          <a:schemeClr val="bg1"/>
+        </a:solidFill>
+        <a:effectLst/>
+      </p:bgPr>
+    </p:bg>
     <p:spTree>
       <p:nvGrpSpPr>
         <p:cNvPr id="1" name=""/>
@@ -3000,78 +4291,14 @@
         <p:spPr/>
         <p:txBody>
           <a:bodyPr>
-            <a:normAutofit fontScale="77500" lnSpcReduction="20000"/>
+            <a:normAutofit/>
           </a:bodyPr>
           <a:lstStyle/>
           <a:p>
             <a:r>
               <a:rPr lang="fr-FR" dirty="0"/>
-              <a:t>1- </a:t>
-            </a:r>
-            <a:r>
-              <a:rPr lang="fr-FR" u="sng" dirty="0" err="1"/>
-              <a:t>etat</a:t>
-            </a:r>
-            <a:r>
-              <a:rPr lang="fr-FR" u="sng" dirty="0"/>
-              <a:t> des lieux</a:t>
-            </a:r>
-          </a:p>
-          <a:p>
-            <a:r>
-              <a:rPr lang="fr-FR" dirty="0"/>
-              <a:t>2- </a:t>
-            </a:r>
-            <a:r>
-              <a:rPr lang="fr-FR" u="sng" dirty="0"/>
-              <a:t>taux de </a:t>
-            </a:r>
-            <a:r>
-              <a:rPr lang="fr-FR" u="sng" dirty="0" err="1"/>
-              <a:t>completude</a:t>
-            </a:r>
-            <a:endParaRPr lang="fr-FR" u="sng" dirty="0"/>
-          </a:p>
-          <a:p>
-            <a:r>
-              <a:rPr lang="fr-FR" dirty="0"/>
-              <a:t>3- </a:t>
-            </a:r>
-            <a:r>
-              <a:rPr lang="fr-FR" u="sng" dirty="0" err="1"/>
-              <a:t>reussi</a:t>
-            </a:r>
-            <a:r>
-              <a:rPr lang="fr-FR" u="sng" dirty="0"/>
-              <a:t> pas </a:t>
-            </a:r>
-            <a:r>
-              <a:rPr lang="fr-FR" u="sng" dirty="0" err="1"/>
-              <a:t>reussi</a:t>
-            </a:r>
-            <a:endParaRPr lang="fr-FR" u="sng" dirty="0"/>
-          </a:p>
-          <a:p>
-            <a:r>
-              <a:rPr lang="fr-FR" dirty="0"/>
-              <a:t>4- </a:t>
-            </a:r>
-            <a:r>
-              <a:rPr lang="fr-FR" dirty="0" err="1"/>
-              <a:t>amelioration</a:t>
-            </a:r>
-            <a:endParaRPr lang="fr-FR" dirty="0"/>
-          </a:p>
-          <a:p>
-            <a:r>
-              <a:rPr lang="fr-FR" dirty="0"/>
-              <a:t>5- </a:t>
-            </a:r>
-            <a:r>
-              <a:rPr lang="fr-FR" u="sng" dirty="0"/>
-              <a:t>nombre de lignes de code</a:t>
-            </a:r>
-            <a:endParaRPr lang="fr-FR" dirty="0"/>
+              <a:t>Projet de Java Pro</a:t>
+            </a:r>
           </a:p>
         </p:txBody>
       </p:sp>
@@ -3088,7 +4315,933 @@
 </p:sld>
 </file>
 
+<file path=ppt/slides/slide2.xml><?xml version="1.0" encoding="utf-8"?>
+<p:sld xmlns:a="http://schemas.openxmlformats.org/drawingml/2006/main" xmlns:r="http://schemas.openxmlformats.org/officeDocument/2006/relationships" xmlns:p="http://schemas.openxmlformats.org/presentationml/2006/main">
+  <p:cSld>
+    <p:spTree>
+      <p:nvGrpSpPr>
+        <p:cNvPr id="1" name=""/>
+        <p:cNvGrpSpPr/>
+        <p:nvPr/>
+      </p:nvGrpSpPr>
+      <p:grpSpPr>
+        <a:xfrm>
+          <a:off x="0" y="0"/>
+          <a:ext cx="0" cy="0"/>
+          <a:chOff x="0" y="0"/>
+          <a:chExt cx="0" cy="0"/>
+        </a:xfrm>
+      </p:grpSpPr>
+      <p:sp>
+        <p:nvSpPr>
+          <p:cNvPr id="2" name="Titre 1"/>
+          <p:cNvSpPr>
+            <a:spLocks noGrp="1"/>
+          </p:cNvSpPr>
+          <p:nvPr>
+            <p:ph type="title"/>
+          </p:nvPr>
+        </p:nvSpPr>
+        <p:spPr>
+          <a:xfrm>
+            <a:off x="1069848" y="484632"/>
+            <a:ext cx="10058400" cy="1609344"/>
+          </a:xfrm>
+        </p:spPr>
+        <p:txBody>
+          <a:bodyPr/>
+          <a:lstStyle/>
+          <a:p>
+            <a:r>
+              <a:rPr lang="fr-FR" dirty="0"/>
+              <a:t>Plan</a:t>
+            </a:r>
+          </a:p>
+        </p:txBody>
+      </p:sp>
+      <p:sp>
+        <p:nvSpPr>
+          <p:cNvPr id="3" name="Espace réservé du contenu 2"/>
+          <p:cNvSpPr>
+            <a:spLocks noGrp="1"/>
+          </p:cNvSpPr>
+          <p:nvPr>
+            <p:ph idx="1"/>
+          </p:nvPr>
+        </p:nvSpPr>
+        <p:spPr/>
+        <p:txBody>
+          <a:bodyPr>
+            <a:normAutofit/>
+          </a:bodyPr>
+          <a:lstStyle/>
+          <a:p>
+            <a:r>
+              <a:rPr lang="fr-FR" sz="2800" dirty="0"/>
+              <a:t>Structure</a:t>
+            </a:r>
+          </a:p>
+          <a:p>
+            <a:r>
+              <a:rPr lang="fr-FR" sz="2800" dirty="0"/>
+              <a:t>Organisation</a:t>
+            </a:r>
+          </a:p>
+          <a:p>
+            <a:r>
+              <a:rPr lang="fr-FR" sz="2800" dirty="0"/>
+              <a:t>Conception</a:t>
+            </a:r>
+          </a:p>
+          <a:p>
+            <a:r>
+              <a:rPr lang="fr-FR" sz="2800" dirty="0"/>
+              <a:t>Avancement</a:t>
+            </a:r>
+          </a:p>
+          <a:p>
+            <a:r>
+              <a:rPr lang="fr-FR" sz="2800" dirty="0" err="1"/>
+              <a:t>Stats</a:t>
+            </a:r>
+            <a:endParaRPr lang="fr-FR" sz="2800" dirty="0"/>
+          </a:p>
+        </p:txBody>
+      </p:sp>
+    </p:spTree>
+    <p:extLst>
+      <p:ext uri="{BB962C8B-B14F-4D97-AF65-F5344CB8AC3E}">
+        <p14:creationId xmlns:p14="http://schemas.microsoft.com/office/powerpoint/2010/main" val="2192518273"/>
+      </p:ext>
+    </p:extLst>
+  </p:cSld>
+  <p:clrMapOvr>
+    <a:masterClrMapping/>
+  </p:clrMapOvr>
+</p:sld>
+</file>
+
+<file path=ppt/slides/slide3.xml><?xml version="1.0" encoding="utf-8"?>
+<p:sld xmlns:a="http://schemas.openxmlformats.org/drawingml/2006/main" xmlns:r="http://schemas.openxmlformats.org/officeDocument/2006/relationships" xmlns:p="http://schemas.openxmlformats.org/presentationml/2006/main">
+  <p:cSld>
+    <p:spTree>
+      <p:nvGrpSpPr>
+        <p:cNvPr id="1" name=""/>
+        <p:cNvGrpSpPr/>
+        <p:nvPr/>
+      </p:nvGrpSpPr>
+      <p:grpSpPr>
+        <a:xfrm>
+          <a:off x="0" y="0"/>
+          <a:ext cx="0" cy="0"/>
+          <a:chOff x="0" y="0"/>
+          <a:chExt cx="0" cy="0"/>
+        </a:xfrm>
+      </p:grpSpPr>
+      <p:sp>
+        <p:nvSpPr>
+          <p:cNvPr id="2" name="Titre 1"/>
+          <p:cNvSpPr>
+            <a:spLocks noGrp="1"/>
+          </p:cNvSpPr>
+          <p:nvPr>
+            <p:ph type="title"/>
+          </p:nvPr>
+        </p:nvSpPr>
+        <p:spPr>
+          <a:xfrm>
+            <a:off x="1069848" y="484632"/>
+            <a:ext cx="10058400" cy="1609344"/>
+          </a:xfrm>
+        </p:spPr>
+        <p:txBody>
+          <a:bodyPr/>
+          <a:lstStyle/>
+          <a:p>
+            <a:endParaRPr lang="fr-FR"/>
+          </a:p>
+        </p:txBody>
+      </p:sp>
+      <p:sp>
+        <p:nvSpPr>
+          <p:cNvPr id="3" name="Espace réservé du contenu 2"/>
+          <p:cNvSpPr>
+            <a:spLocks noGrp="1"/>
+          </p:cNvSpPr>
+          <p:nvPr>
+            <p:ph idx="1"/>
+          </p:nvPr>
+        </p:nvSpPr>
+        <p:spPr/>
+        <p:txBody>
+          <a:bodyPr/>
+          <a:lstStyle/>
+          <a:p>
+            <a:endParaRPr lang="fr-FR"/>
+          </a:p>
+        </p:txBody>
+      </p:sp>
+    </p:spTree>
+    <p:extLst>
+      <p:ext uri="{BB962C8B-B14F-4D97-AF65-F5344CB8AC3E}">
+        <p14:creationId xmlns:p14="http://schemas.microsoft.com/office/powerpoint/2010/main" val="1319394192"/>
+      </p:ext>
+    </p:extLst>
+  </p:cSld>
+  <p:clrMapOvr>
+    <a:masterClrMapping/>
+  </p:clrMapOvr>
+</p:sld>
+</file>
+
+<file path=ppt/slides/slide4.xml><?xml version="1.0" encoding="utf-8"?>
+<p:sld xmlns:a="http://schemas.openxmlformats.org/drawingml/2006/main" xmlns:r="http://schemas.openxmlformats.org/officeDocument/2006/relationships" xmlns:p="http://schemas.openxmlformats.org/presentationml/2006/main">
+  <p:cSld>
+    <p:spTree>
+      <p:nvGrpSpPr>
+        <p:cNvPr id="1" name=""/>
+        <p:cNvGrpSpPr/>
+        <p:nvPr/>
+      </p:nvGrpSpPr>
+      <p:grpSpPr>
+        <a:xfrm>
+          <a:off x="0" y="0"/>
+          <a:ext cx="0" cy="0"/>
+          <a:chOff x="0" y="0"/>
+          <a:chExt cx="0" cy="0"/>
+        </a:xfrm>
+      </p:grpSpPr>
+      <p:sp>
+        <p:nvSpPr>
+          <p:cNvPr id="2" name="Titre 1"/>
+          <p:cNvSpPr>
+            <a:spLocks noGrp="1"/>
+          </p:cNvSpPr>
+          <p:nvPr>
+            <p:ph type="title"/>
+          </p:nvPr>
+        </p:nvSpPr>
+        <p:spPr>
+          <a:xfrm>
+            <a:off x="1069848" y="484632"/>
+            <a:ext cx="10058400" cy="1609344"/>
+          </a:xfrm>
+        </p:spPr>
+        <p:txBody>
+          <a:bodyPr/>
+          <a:lstStyle/>
+          <a:p>
+            <a:r>
+              <a:rPr lang="fr-FR" dirty="0"/>
+              <a:t>Structure</a:t>
+            </a:r>
+          </a:p>
+        </p:txBody>
+      </p:sp>
+      <p:sp>
+        <p:nvSpPr>
+          <p:cNvPr id="3" name="Espace réservé du contenu 2"/>
+          <p:cNvSpPr>
+            <a:spLocks noGrp="1"/>
+          </p:cNvSpPr>
+          <p:nvPr>
+            <p:ph idx="1"/>
+          </p:nvPr>
+        </p:nvSpPr>
+        <p:spPr/>
+        <p:txBody>
+          <a:bodyPr/>
+          <a:lstStyle/>
+          <a:p>
+            <a:endParaRPr lang="fr-FR"/>
+          </a:p>
+        </p:txBody>
+      </p:sp>
+    </p:spTree>
+    <p:extLst>
+      <p:ext uri="{BB962C8B-B14F-4D97-AF65-F5344CB8AC3E}">
+        <p14:creationId xmlns:p14="http://schemas.microsoft.com/office/powerpoint/2010/main" val="1078568929"/>
+      </p:ext>
+    </p:extLst>
+  </p:cSld>
+  <p:clrMapOvr>
+    <a:masterClrMapping/>
+  </p:clrMapOvr>
+</p:sld>
+</file>
+
+<file path=ppt/slides/slide5.xml><?xml version="1.0" encoding="utf-8"?>
+<p:sld xmlns:a="http://schemas.openxmlformats.org/drawingml/2006/main" xmlns:r="http://schemas.openxmlformats.org/officeDocument/2006/relationships" xmlns:p="http://schemas.openxmlformats.org/presentationml/2006/main">
+  <p:cSld>
+    <p:bg>
+      <p:bgPr>
+        <a:solidFill>
+          <a:schemeClr val="bg1"/>
+        </a:solidFill>
+        <a:effectLst/>
+      </p:bgPr>
+    </p:bg>
+    <p:spTree>
+      <p:nvGrpSpPr>
+        <p:cNvPr id="1" name=""/>
+        <p:cNvGrpSpPr/>
+        <p:nvPr/>
+      </p:nvGrpSpPr>
+      <p:grpSpPr>
+        <a:xfrm>
+          <a:off x="0" y="0"/>
+          <a:ext cx="0" cy="0"/>
+          <a:chOff x="0" y="0"/>
+          <a:chExt cx="0" cy="0"/>
+        </a:xfrm>
+      </p:grpSpPr>
+      <p:pic>
+        <p:nvPicPr>
+          <p:cNvPr id="11" name="Image 10"/>
+          <p:cNvPicPr>
+            <a:picLocks noChangeAspect="1"/>
+          </p:cNvPicPr>
+          <p:nvPr/>
+        </p:nvPicPr>
+        <p:blipFill>
+          <a:blip r:embed="rId2"/>
+          <a:stretch>
+            <a:fillRect/>
+          </a:stretch>
+        </p:blipFill>
+        <p:spPr>
+          <a:xfrm>
+            <a:off x="1097279" y="2081310"/>
+            <a:ext cx="6809361" cy="4090890"/>
+          </a:xfrm>
+          <a:prstGeom prst="rect">
+            <a:avLst/>
+          </a:prstGeom>
+        </p:spPr>
+      </p:pic>
+      <p:sp>
+        <p:nvSpPr>
+          <p:cNvPr id="2" name="Titre 1"/>
+          <p:cNvSpPr>
+            <a:spLocks noGrp="1"/>
+          </p:cNvSpPr>
+          <p:nvPr>
+            <p:ph type="title"/>
+          </p:nvPr>
+        </p:nvSpPr>
+        <p:spPr>
+          <a:xfrm>
+            <a:off x="1069848" y="484632"/>
+            <a:ext cx="10058400" cy="1609344"/>
+          </a:xfrm>
+        </p:spPr>
+        <p:txBody>
+          <a:bodyPr>
+            <a:normAutofit/>
+          </a:bodyPr>
+          <a:lstStyle/>
+          <a:p>
+            <a:r>
+              <a:rPr lang="fr-FR"/>
+              <a:t>Organisation</a:t>
+            </a:r>
+            <a:endParaRPr lang="fr-FR" dirty="0"/>
+          </a:p>
+        </p:txBody>
+      </p:sp>
+      <p:sp>
+        <p:nvSpPr>
+          <p:cNvPr id="9" name="Espace réservé du contenu 8"/>
+          <p:cNvSpPr>
+            <a:spLocks noGrp="1"/>
+          </p:cNvSpPr>
+          <p:nvPr>
+            <p:ph idx="1"/>
+          </p:nvPr>
+        </p:nvSpPr>
+        <p:spPr>
+          <a:xfrm>
+            <a:off x="8278238" y="2121408"/>
+            <a:ext cx="2850010" cy="4050792"/>
+          </a:xfrm>
+        </p:spPr>
+        <p:txBody>
+          <a:bodyPr>
+            <a:normAutofit/>
+          </a:bodyPr>
+          <a:lstStyle/>
+          <a:p>
+            <a:endParaRPr lang="fr-FR" sz="2800" dirty="0"/>
+          </a:p>
+        </p:txBody>
+      </p:sp>
+      <p:pic>
+        <p:nvPicPr>
+          <p:cNvPr id="44" name="Image 43"/>
+          <p:cNvPicPr>
+            <a:picLocks noChangeAspect="1"/>
+          </p:cNvPicPr>
+          <p:nvPr/>
+        </p:nvPicPr>
+        <p:blipFill>
+          <a:blip r:embed="rId3"/>
+          <a:stretch>
+            <a:fillRect/>
+          </a:stretch>
+        </p:blipFill>
+        <p:spPr>
+          <a:xfrm>
+            <a:off x="5379395" y="198907"/>
+            <a:ext cx="6485591" cy="1882403"/>
+          </a:xfrm>
+          <a:prstGeom prst="rect">
+            <a:avLst/>
+          </a:prstGeom>
+        </p:spPr>
+      </p:pic>
+    </p:spTree>
+    <p:extLst>
+      <p:ext uri="{BB962C8B-B14F-4D97-AF65-F5344CB8AC3E}">
+        <p14:creationId xmlns:p14="http://schemas.microsoft.com/office/powerpoint/2010/main" val="4171419987"/>
+      </p:ext>
+    </p:extLst>
+  </p:cSld>
+  <p:clrMapOvr>
+    <a:masterClrMapping/>
+  </p:clrMapOvr>
+</p:sld>
+</file>
+
+<file path=ppt/slides/slide6.xml><?xml version="1.0" encoding="utf-8"?>
+<p:sld xmlns:a="http://schemas.openxmlformats.org/drawingml/2006/main" xmlns:r="http://schemas.openxmlformats.org/officeDocument/2006/relationships" xmlns:p="http://schemas.openxmlformats.org/presentationml/2006/main">
+  <p:cSld>
+    <p:spTree>
+      <p:nvGrpSpPr>
+        <p:cNvPr id="1" name=""/>
+        <p:cNvGrpSpPr/>
+        <p:nvPr/>
+      </p:nvGrpSpPr>
+      <p:grpSpPr>
+        <a:xfrm>
+          <a:off x="0" y="0"/>
+          <a:ext cx="0" cy="0"/>
+          <a:chOff x="0" y="0"/>
+          <a:chExt cx="0" cy="0"/>
+        </a:xfrm>
+      </p:grpSpPr>
+      <p:sp>
+        <p:nvSpPr>
+          <p:cNvPr id="2" name="Titre 1"/>
+          <p:cNvSpPr>
+            <a:spLocks noGrp="1"/>
+          </p:cNvSpPr>
+          <p:nvPr>
+            <p:ph type="title"/>
+          </p:nvPr>
+        </p:nvSpPr>
+        <p:spPr>
+          <a:xfrm>
+            <a:off x="1069848" y="484632"/>
+            <a:ext cx="10058400" cy="1609344"/>
+          </a:xfrm>
+        </p:spPr>
+        <p:txBody>
+          <a:bodyPr/>
+          <a:lstStyle/>
+          <a:p>
+            <a:r>
+              <a:rPr lang="fr-FR" dirty="0"/>
+              <a:t>CONCEPTION</a:t>
+            </a:r>
+          </a:p>
+        </p:txBody>
+      </p:sp>
+      <p:sp>
+        <p:nvSpPr>
+          <p:cNvPr id="3" name="Espace réservé du contenu 2"/>
+          <p:cNvSpPr>
+            <a:spLocks noGrp="1"/>
+          </p:cNvSpPr>
+          <p:nvPr>
+            <p:ph idx="1"/>
+          </p:nvPr>
+        </p:nvSpPr>
+        <p:spPr/>
+        <p:txBody>
+          <a:bodyPr/>
+          <a:lstStyle/>
+          <a:p>
+            <a:endParaRPr lang="fr-FR"/>
+          </a:p>
+        </p:txBody>
+      </p:sp>
+    </p:spTree>
+    <p:extLst>
+      <p:ext uri="{BB962C8B-B14F-4D97-AF65-F5344CB8AC3E}">
+        <p14:creationId xmlns:p14="http://schemas.microsoft.com/office/powerpoint/2010/main" val="489978050"/>
+      </p:ext>
+    </p:extLst>
+  </p:cSld>
+  <p:clrMapOvr>
+    <a:masterClrMapping/>
+  </p:clrMapOvr>
+</p:sld>
+</file>
+
+<file path=ppt/slides/slide7.xml><?xml version="1.0" encoding="utf-8"?>
+<p:sld xmlns:a="http://schemas.openxmlformats.org/drawingml/2006/main" xmlns:r="http://schemas.openxmlformats.org/officeDocument/2006/relationships" xmlns:p="http://schemas.openxmlformats.org/presentationml/2006/main">
+  <p:cSld>
+    <p:spTree>
+      <p:nvGrpSpPr>
+        <p:cNvPr id="1" name=""/>
+        <p:cNvGrpSpPr/>
+        <p:nvPr/>
+      </p:nvGrpSpPr>
+      <p:grpSpPr>
+        <a:xfrm>
+          <a:off x="0" y="0"/>
+          <a:ext cx="0" cy="0"/>
+          <a:chOff x="0" y="0"/>
+          <a:chExt cx="0" cy="0"/>
+        </a:xfrm>
+      </p:grpSpPr>
+      <p:sp>
+        <p:nvSpPr>
+          <p:cNvPr id="2" name="Titre 1"/>
+          <p:cNvSpPr>
+            <a:spLocks noGrp="1"/>
+          </p:cNvSpPr>
+          <p:nvPr>
+            <p:ph type="title"/>
+          </p:nvPr>
+        </p:nvSpPr>
+        <p:spPr>
+          <a:xfrm>
+            <a:off x="1069848" y="484632"/>
+            <a:ext cx="10058400" cy="1609344"/>
+          </a:xfrm>
+        </p:spPr>
+        <p:txBody>
+          <a:bodyPr/>
+          <a:lstStyle/>
+          <a:p>
+            <a:r>
+              <a:rPr lang="fr-FR" dirty="0"/>
+              <a:t>AVANCEMENT</a:t>
+            </a:r>
+          </a:p>
+        </p:txBody>
+      </p:sp>
+      <p:sp>
+        <p:nvSpPr>
+          <p:cNvPr id="3" name="Espace réservé du contenu 2"/>
+          <p:cNvSpPr>
+            <a:spLocks noGrp="1"/>
+          </p:cNvSpPr>
+          <p:nvPr>
+            <p:ph idx="1"/>
+          </p:nvPr>
+        </p:nvSpPr>
+        <p:spPr/>
+        <p:txBody>
+          <a:bodyPr/>
+          <a:lstStyle/>
+          <a:p>
+            <a:endParaRPr lang="fr-FR"/>
+          </a:p>
+        </p:txBody>
+      </p:sp>
+    </p:spTree>
+    <p:extLst>
+      <p:ext uri="{BB962C8B-B14F-4D97-AF65-F5344CB8AC3E}">
+        <p14:creationId xmlns:p14="http://schemas.microsoft.com/office/powerpoint/2010/main" val="2722912564"/>
+      </p:ext>
+    </p:extLst>
+  </p:cSld>
+  <p:clrMapOvr>
+    <a:masterClrMapping/>
+  </p:clrMapOvr>
+</p:sld>
+</file>
+
+<file path=ppt/slides/slide8.xml><?xml version="1.0" encoding="utf-8"?>
+<p:sld xmlns:a="http://schemas.openxmlformats.org/drawingml/2006/main" xmlns:r="http://schemas.openxmlformats.org/officeDocument/2006/relationships" xmlns:p="http://schemas.openxmlformats.org/presentationml/2006/main">
+  <p:cSld>
+    <p:spTree>
+      <p:nvGrpSpPr>
+        <p:cNvPr id="1" name=""/>
+        <p:cNvGrpSpPr/>
+        <p:nvPr/>
+      </p:nvGrpSpPr>
+      <p:grpSpPr>
+        <a:xfrm>
+          <a:off x="0" y="0"/>
+          <a:ext cx="0" cy="0"/>
+          <a:chOff x="0" y="0"/>
+          <a:chExt cx="0" cy="0"/>
+        </a:xfrm>
+      </p:grpSpPr>
+      <p:sp>
+        <p:nvSpPr>
+          <p:cNvPr id="2" name="Titre 1"/>
+          <p:cNvSpPr>
+            <a:spLocks noGrp="1"/>
+          </p:cNvSpPr>
+          <p:nvPr>
+            <p:ph type="title"/>
+          </p:nvPr>
+        </p:nvSpPr>
+        <p:spPr>
+          <a:xfrm>
+            <a:off x="1069848" y="484632"/>
+            <a:ext cx="10058400" cy="1609344"/>
+          </a:xfrm>
+        </p:spPr>
+        <p:txBody>
+          <a:bodyPr/>
+          <a:lstStyle/>
+          <a:p>
+            <a:r>
+              <a:rPr lang="fr-FR" dirty="0"/>
+              <a:t>STATS</a:t>
+            </a:r>
+          </a:p>
+        </p:txBody>
+      </p:sp>
+      <p:sp>
+        <p:nvSpPr>
+          <p:cNvPr id="3" name="Espace réservé du contenu 2"/>
+          <p:cNvSpPr>
+            <a:spLocks noGrp="1"/>
+          </p:cNvSpPr>
+          <p:nvPr>
+            <p:ph idx="1"/>
+          </p:nvPr>
+        </p:nvSpPr>
+        <p:spPr/>
+        <p:txBody>
+          <a:bodyPr/>
+          <a:lstStyle/>
+          <a:p>
+            <a:endParaRPr lang="fr-FR" dirty="0"/>
+          </a:p>
+        </p:txBody>
+      </p:sp>
+    </p:spTree>
+    <p:extLst>
+      <p:ext uri="{BB962C8B-B14F-4D97-AF65-F5344CB8AC3E}">
+        <p14:creationId xmlns:p14="http://schemas.microsoft.com/office/powerpoint/2010/main" val="1090442455"/>
+      </p:ext>
+    </p:extLst>
+  </p:cSld>
+  <p:clrMapOvr>
+    <a:masterClrMapping/>
+  </p:clrMapOvr>
+</p:sld>
+</file>
+
+<file path=ppt/slides/slide9.xml><?xml version="1.0" encoding="utf-8"?>
+<p:sld xmlns:a="http://schemas.openxmlformats.org/drawingml/2006/main" xmlns:r="http://schemas.openxmlformats.org/officeDocument/2006/relationships" xmlns:p="http://schemas.openxmlformats.org/presentationml/2006/main">
+  <p:cSld>
+    <p:spTree>
+      <p:nvGrpSpPr>
+        <p:cNvPr id="1" name=""/>
+        <p:cNvGrpSpPr/>
+        <p:nvPr/>
+      </p:nvGrpSpPr>
+      <p:grpSpPr>
+        <a:xfrm>
+          <a:off x="0" y="0"/>
+          <a:ext cx="0" cy="0"/>
+          <a:chOff x="0" y="0"/>
+          <a:chExt cx="0" cy="0"/>
+        </a:xfrm>
+      </p:grpSpPr>
+      <p:sp>
+        <p:nvSpPr>
+          <p:cNvPr id="2" name="Titre 1"/>
+          <p:cNvSpPr>
+            <a:spLocks noGrp="1"/>
+          </p:cNvSpPr>
+          <p:nvPr>
+            <p:ph type="ctrTitle"/>
+          </p:nvPr>
+        </p:nvSpPr>
+        <p:spPr/>
+        <p:txBody>
+          <a:bodyPr/>
+          <a:lstStyle/>
+          <a:p>
+            <a:pPr algn="ctr"/>
+            <a:r>
+              <a:rPr lang="fr-FR" dirty="0"/>
+              <a:t>MERCI</a:t>
+            </a:r>
+          </a:p>
+        </p:txBody>
+      </p:sp>
+      <p:sp>
+        <p:nvSpPr>
+          <p:cNvPr id="3" name="Sous-titre 2"/>
+          <p:cNvSpPr>
+            <a:spLocks noGrp="1"/>
+          </p:cNvSpPr>
+          <p:nvPr>
+            <p:ph type="subTitle" idx="1"/>
+          </p:nvPr>
+        </p:nvSpPr>
+        <p:spPr/>
+        <p:txBody>
+          <a:bodyPr/>
+          <a:lstStyle/>
+          <a:p>
+            <a:endParaRPr lang="fr-FR"/>
+          </a:p>
+        </p:txBody>
+      </p:sp>
+    </p:spTree>
+    <p:extLst>
+      <p:ext uri="{BB962C8B-B14F-4D97-AF65-F5344CB8AC3E}">
+        <p14:creationId xmlns:p14="http://schemas.microsoft.com/office/powerpoint/2010/main" val="2039555499"/>
+      </p:ext>
+    </p:extLst>
+  </p:cSld>
+  <p:clrMapOvr>
+    <a:masterClrMapping/>
+  </p:clrMapOvr>
+</p:sld>
+</file>
+
 <file path=ppt/theme/theme1.xml><?xml version="1.0" encoding="utf-8"?>
+<a:theme xmlns:a="http://schemas.openxmlformats.org/drawingml/2006/main" name="Type de bois">
+  <a:themeElements>
+    <a:clrScheme name="Type de bois">
+      <a:dk1>
+        <a:sysClr val="windowText" lastClr="000000"/>
+      </a:dk1>
+      <a:lt1>
+        <a:sysClr val="window" lastClr="FFFFFF"/>
+      </a:lt1>
+      <a:dk2>
+        <a:srgbClr val="696464"/>
+      </a:dk2>
+      <a:lt2>
+        <a:srgbClr val="E9E5DC"/>
+      </a:lt2>
+      <a:accent1>
+        <a:srgbClr val="D34817"/>
+      </a:accent1>
+      <a:accent2>
+        <a:srgbClr val="9B2D1F"/>
+      </a:accent2>
+      <a:accent3>
+        <a:srgbClr val="A28E6A"/>
+      </a:accent3>
+      <a:accent4>
+        <a:srgbClr val="956251"/>
+      </a:accent4>
+      <a:accent5>
+        <a:srgbClr val="918485"/>
+      </a:accent5>
+      <a:accent6>
+        <a:srgbClr val="855D5D"/>
+      </a:accent6>
+      <a:hlink>
+        <a:srgbClr val="CC9900"/>
+      </a:hlink>
+      <a:folHlink>
+        <a:srgbClr val="96A9A9"/>
+      </a:folHlink>
+    </a:clrScheme>
+    <a:fontScheme name="Type de bois">
+      <a:majorFont>
+        <a:latin typeface="Rockwell Condensed" panose="02060603050405020104"/>
+        <a:ea typeface=""/>
+        <a:cs typeface=""/>
+        <a:font script="Grek" typeface="Cambria"/>
+        <a:font script="Cyrl" typeface="Cambria"/>
+        <a:font script="Jpan" typeface="HG明朝B"/>
+        <a:font script="Hang" typeface="바탕"/>
+        <a:font script="Hans" typeface="方正姚体"/>
+        <a:font script="Hant" typeface="微軟正黑體"/>
+        <a:font script="Arab" typeface="Times New Roman"/>
+        <a:font script="Hebr" typeface="David"/>
+        <a:font script="Thai" typeface="JasmineUPC"/>
+        <a:font script="Ethi" typeface="Nyala"/>
+        <a:font script="Beng" typeface="Vrinda"/>
+        <a:font script="Gujr" typeface="Shruti"/>
+        <a:font script="Khmr" typeface="MoolBoran"/>
+        <a:font script="Knda" typeface="Tunga"/>
+        <a:font script="Guru" typeface="Raavi"/>
+        <a:font script="Cans" typeface="Euphemia"/>
+        <a:font script="Cher" typeface="Plantagenet Cherokee"/>
+        <a:font script="Yiii" typeface="Microsoft Yi Baiti"/>
+        <a:font script="Tibt" typeface="Microsoft Himalaya"/>
+        <a:font script="Thaa" typeface="MV Boli"/>
+        <a:font script="Deva" typeface="Mangal"/>
+        <a:font script="Telu" typeface="Gautami"/>
+        <a:font script="Taml" typeface="Latha"/>
+        <a:font script="Syrc" typeface="Estrangelo Edessa"/>
+        <a:font script="Orya" typeface="Kalinga"/>
+        <a:font script="Mlym" typeface="Kartika"/>
+        <a:font script="Laoo" typeface="DokChampa"/>
+        <a:font script="Sinh" typeface="Iskoola Pota"/>
+        <a:font script="Mong" typeface="Mongolian Baiti"/>
+        <a:font script="Viet" typeface="Arial"/>
+        <a:font script="Uigh" typeface="Microsoft Uighur"/>
+      </a:majorFont>
+      <a:minorFont>
+        <a:latin typeface="Rockwell" panose="02060603020205020403"/>
+        <a:ea typeface=""/>
+        <a:cs typeface=""/>
+        <a:font script="Grek" typeface="Cambria"/>
+        <a:font script="Cyrl" typeface="Cambria"/>
+        <a:font script="Jpan" typeface="HG明朝B"/>
+        <a:font script="Hang" typeface="바탕"/>
+        <a:font script="Hans" typeface="方正姚体"/>
+        <a:font script="Hant" typeface="標楷體"/>
+        <a:font script="Arab" typeface="Times New Roman"/>
+        <a:font script="Hebr" typeface="David"/>
+        <a:font script="Thai" typeface="JasmineUPC"/>
+        <a:font script="Ethi" typeface="Nyala"/>
+        <a:font script="Beng" typeface="Vrinda"/>
+        <a:font script="Gujr" typeface="Shruti"/>
+        <a:font script="Khmr" typeface="MoolBoran"/>
+        <a:font script="Knda" typeface="Tunga"/>
+        <a:font script="Guru" typeface="Raavi"/>
+        <a:font script="Cans" typeface="Euphemia"/>
+        <a:font script="Cher" typeface="Plantagenet Cherokee"/>
+        <a:font script="Yiii" typeface="Microsoft Yi Baiti"/>
+        <a:font script="Tibt" typeface="Microsoft Himalaya"/>
+        <a:font script="Thaa" typeface="MV Boli"/>
+        <a:font script="Deva" typeface="Mangal"/>
+        <a:font script="Telu" typeface="Gautami"/>
+        <a:font script="Taml" typeface="Latha"/>
+        <a:font script="Syrc" typeface="Estrangelo Edessa"/>
+        <a:font script="Orya" typeface="Kalinga"/>
+        <a:font script="Mlym" typeface="Kartika"/>
+        <a:font script="Laoo" typeface="DokChampa"/>
+        <a:font script="Sinh" typeface="Iskoola Pota"/>
+        <a:font script="Mong" typeface="Mongolian Baiti"/>
+        <a:font script="Viet" typeface="Times New Roman"/>
+        <a:font script="Uigh" typeface="Microsoft Uighur"/>
+      </a:minorFont>
+    </a:fontScheme>
+    <a:fmtScheme name="Type de bois">
+      <a:fillStyleLst>
+        <a:solidFill>
+          <a:schemeClr val="phClr"/>
+        </a:solidFill>
+        <a:blipFill rotWithShape="1">
+          <a:blip xmlns:r="http://schemas.openxmlformats.org/officeDocument/2006/relationships" r:embed="rId1">
+            <a:duotone>
+              <a:schemeClr val="phClr">
+                <a:tint val="70000"/>
+                <a:shade val="63000"/>
+              </a:schemeClr>
+              <a:schemeClr val="phClr">
+                <a:tint val="10000"/>
+                <a:satMod val="150000"/>
+              </a:schemeClr>
+            </a:duotone>
+          </a:blip>
+          <a:tile tx="0" ty="0" sx="60000" sy="59000" flip="none" algn="tl"/>
+        </a:blipFill>
+        <a:blipFill rotWithShape="1">
+          <a:blip xmlns:r="http://schemas.openxmlformats.org/officeDocument/2006/relationships" r:embed="rId1">
+            <a:duotone>
+              <a:schemeClr val="phClr">
+                <a:shade val="36000"/>
+                <a:satMod val="120000"/>
+              </a:schemeClr>
+              <a:schemeClr val="phClr">
+                <a:tint val="40000"/>
+              </a:schemeClr>
+            </a:duotone>
+          </a:blip>
+          <a:tile tx="0" ty="0" sx="60000" sy="59000" flip="none" algn="tl"/>
+        </a:blipFill>
+      </a:fillStyleLst>
+      <a:lnStyleLst>
+        <a:ln w="6350" cap="flat" cmpd="sng" algn="ctr">
+          <a:solidFill>
+            <a:schemeClr val="phClr"/>
+          </a:solidFill>
+          <a:prstDash val="solid"/>
+        </a:ln>
+        <a:ln w="12700" cap="flat" cmpd="sng" algn="ctr">
+          <a:solidFill>
+            <a:schemeClr val="phClr"/>
+          </a:solidFill>
+          <a:prstDash val="solid"/>
+        </a:ln>
+        <a:ln w="19050" cap="flat" cmpd="sng" algn="ctr">
+          <a:solidFill>
+            <a:schemeClr val="phClr"/>
+          </a:solidFill>
+          <a:prstDash val="solid"/>
+        </a:ln>
+      </a:lnStyleLst>
+      <a:effectStyleLst>
+        <a:effectStyle>
+          <a:effectLst/>
+        </a:effectStyle>
+        <a:effectStyle>
+          <a:effectLst>
+            <a:softEdge rad="12700"/>
+          </a:effectLst>
+        </a:effectStyle>
+        <a:effectStyle>
+          <a:effectLst>
+            <a:outerShdw blurRad="50800" dist="19050" dir="5400000" algn="tl" rotWithShape="0">
+              <a:srgbClr val="000000">
+                <a:alpha val="60000"/>
+              </a:srgbClr>
+            </a:outerShdw>
+            <a:softEdge rad="12700"/>
+          </a:effectLst>
+        </a:effectStyle>
+      </a:effectStyleLst>
+      <a:bgFillStyleLst>
+        <a:solidFill>
+          <a:schemeClr val="phClr"/>
+        </a:solidFill>
+        <a:solidFill>
+          <a:schemeClr val="phClr">
+            <a:shade val="97000"/>
+            <a:satMod val="150000"/>
+          </a:schemeClr>
+        </a:solidFill>
+        <a:blipFill rotWithShape="1">
+          <a:blip xmlns:r="http://schemas.openxmlformats.org/officeDocument/2006/relationships" r:embed="rId1">
+            <a:duotone>
+              <a:schemeClr val="phClr">
+                <a:tint val="75000"/>
+                <a:shade val="58000"/>
+                <a:satMod val="120000"/>
+              </a:schemeClr>
+              <a:schemeClr val="phClr">
+                <a:tint val="50000"/>
+                <a:shade val="96000"/>
+              </a:schemeClr>
+            </a:duotone>
+          </a:blip>
+          <a:tile tx="0" ty="0" sx="100000" sy="100000" flip="none" algn="tl"/>
+        </a:blipFill>
+      </a:bgFillStyleLst>
+    </a:fmtScheme>
+  </a:themeElements>
+  <a:objectDefaults/>
+  <a:extraClrSchemeLst/>
+  <a:extLst>
+    <a:ext uri="{05A4C25C-085E-4340-85A3-A5531E510DB2}">
+      <thm15:themeFamily xmlns:thm15="http://schemas.microsoft.com/office/thememl/2012/main" name="Wood Type" id="{7ACABC62-BF99-48CF-A9DC-4DB89C7B13DC}" vid="{142A1326-48AB-42A9-8428-CB14AA30176D}"/>
+    </a:ext>
+  </a:extLst>
+</a:theme>
+</file>
+
+<file path=ppt/theme/theme2.xml><?xml version="1.0" encoding="utf-8"?>
 <a:theme xmlns:a="http://schemas.openxmlformats.org/drawingml/2006/main" name="Thème Office">
   <a:themeElements>
     <a:clrScheme name="Office">
